--- a/1일차_실습자료/introduction-to-python.pptx
+++ b/1일차_실습자료/introduction-to-python.pptx
@@ -5,25 +5,26 @@
     <p:sldMasterId id="2147483660" r:id="rId1"/>
   </p:sldMasterIdLst>
   <p:notesMasterIdLst>
-    <p:notesMasterId r:id="rId15"/>
+    <p:notesMasterId r:id="rId16"/>
   </p:notesMasterIdLst>
   <p:handoutMasterIdLst>
-    <p:handoutMasterId r:id="rId16"/>
+    <p:handoutMasterId r:id="rId17"/>
   </p:handoutMasterIdLst>
   <p:sldIdLst>
     <p:sldId id="500" r:id="rId2"/>
-    <p:sldId id="502" r:id="rId3"/>
-    <p:sldId id="501" r:id="rId4"/>
-    <p:sldId id="503" r:id="rId5"/>
-    <p:sldId id="504" r:id="rId6"/>
-    <p:sldId id="505" r:id="rId7"/>
-    <p:sldId id="506" r:id="rId8"/>
-    <p:sldId id="507" r:id="rId9"/>
-    <p:sldId id="508" r:id="rId10"/>
-    <p:sldId id="509" r:id="rId11"/>
-    <p:sldId id="511" r:id="rId12"/>
-    <p:sldId id="510" r:id="rId13"/>
-    <p:sldId id="512" r:id="rId14"/>
+    <p:sldId id="515" r:id="rId3"/>
+    <p:sldId id="513" r:id="rId4"/>
+    <p:sldId id="501" r:id="rId5"/>
+    <p:sldId id="503" r:id="rId6"/>
+    <p:sldId id="504" r:id="rId7"/>
+    <p:sldId id="505" r:id="rId8"/>
+    <p:sldId id="506" r:id="rId9"/>
+    <p:sldId id="507" r:id="rId10"/>
+    <p:sldId id="508" r:id="rId11"/>
+    <p:sldId id="509" r:id="rId12"/>
+    <p:sldId id="511" r:id="rId13"/>
+    <p:sldId id="510" r:id="rId14"/>
+    <p:sldId id="512" r:id="rId15"/>
   </p:sldIdLst>
   <p:sldSz cx="9144000" cy="6858000" type="screen4x3"/>
   <p:notesSz cx="6797675" cy="9926638"/>
@@ -2093,6 +2094,277 @@
           <a:p>
             <a:r>
               <a:rPr lang="en-US" altLang="ko-KR" dirty="0" smtClean="0"/>
+              <a:t>Pip/</a:t>
+            </a:r>
+            <a:r>
+              <a:rPr lang="en-US" altLang="ko-KR" dirty="0" err="1" smtClean="0"/>
+              <a:t>conda</a:t>
+            </a:r>
+            <a:r>
+              <a:rPr lang="en-US" altLang="ko-KR" dirty="0" smtClean="0"/>
+              <a:t> commands (on </a:t>
+            </a:r>
+            <a:r>
+              <a:rPr lang="en-US" altLang="ko-KR" dirty="0" err="1" smtClean="0"/>
+              <a:t>cmd</a:t>
+            </a:r>
+            <a:r>
+              <a:rPr lang="en-US" altLang="ko-KR" dirty="0" smtClean="0"/>
+              <a:t> or terminal)</a:t>
+            </a:r>
+            <a:endParaRPr lang="ko-KR" altLang="en-US" dirty="0"/>
+          </a:p>
+        </p:txBody>
+      </p:sp>
+      <p:sp>
+        <p:nvSpPr>
+          <p:cNvPr id="6" name="TextBox 5"/>
+          <p:cNvSpPr txBox="1"/>
+          <p:nvPr/>
+        </p:nvSpPr>
+        <p:spPr>
+          <a:xfrm>
+            <a:off x="586155" y="1345223"/>
+            <a:ext cx="8239858" cy="2585323"/>
+          </a:xfrm>
+          <a:prstGeom prst="rect">
+            <a:avLst/>
+          </a:prstGeom>
+          <a:noFill/>
+        </p:spPr>
+        <p:txBody>
+          <a:bodyPr wrap="square" rtlCol="0">
+            <a:spAutoFit/>
+          </a:bodyPr>
+          <a:lstStyle/>
+          <a:p>
+            <a:pPr marL="285750" indent="-285750">
+              <a:lnSpc>
+                <a:spcPct val="150000"/>
+              </a:lnSpc>
+              <a:buClr>
+                <a:schemeClr val="accent1">
+                  <a:lumMod val="75000"/>
+                </a:schemeClr>
+              </a:buClr>
+              <a:buFont typeface="Wingdings" charset="2"/>
+              <a:buChar char="v"/>
+            </a:pPr>
+            <a:r>
+              <a:rPr lang="en-US" altLang="ko-KR" dirty="0" smtClean="0"/>
+              <a:t>Pip install ‘package’ / </a:t>
+            </a:r>
+            <a:r>
+              <a:rPr lang="en-US" altLang="ko-KR" dirty="0" err="1" smtClean="0"/>
+              <a:t>conda</a:t>
+            </a:r>
+            <a:r>
+              <a:rPr lang="en-US" altLang="ko-KR" dirty="0" smtClean="0"/>
+              <a:t> install ‘package’</a:t>
+            </a:r>
+          </a:p>
+          <a:p>
+            <a:pPr marL="285750" indent="-285750">
+              <a:lnSpc>
+                <a:spcPct val="150000"/>
+              </a:lnSpc>
+              <a:buClr>
+                <a:schemeClr val="accent1">
+                  <a:lumMod val="75000"/>
+                </a:schemeClr>
+              </a:buClr>
+              <a:buFont typeface="Wingdings" charset="2"/>
+              <a:buChar char="v"/>
+            </a:pPr>
+            <a:r>
+              <a:rPr lang="en-US" altLang="ko-KR" dirty="0" smtClean="0"/>
+              <a:t>Pip uninstall ’package’ / </a:t>
+            </a:r>
+            <a:r>
+              <a:rPr lang="en-US" altLang="ko-KR" dirty="0" err="1" smtClean="0"/>
+              <a:t>conda</a:t>
+            </a:r>
+            <a:r>
+              <a:rPr lang="en-US" altLang="ko-KR" dirty="0" smtClean="0"/>
+              <a:t> remove ‘package’</a:t>
+            </a:r>
+            <a:endParaRPr lang="en-US" altLang="ko-KR" dirty="0"/>
+          </a:p>
+          <a:p>
+            <a:pPr marL="285750" indent="-285750">
+              <a:lnSpc>
+                <a:spcPct val="150000"/>
+              </a:lnSpc>
+              <a:buClr>
+                <a:schemeClr val="accent1">
+                  <a:lumMod val="75000"/>
+                </a:schemeClr>
+              </a:buClr>
+              <a:buFont typeface="Wingdings" panose="05000000000000000000" pitchFamily="2" charset="2"/>
+              <a:buChar char="v"/>
+            </a:pPr>
+            <a:r>
+              <a:rPr lang="en-US" altLang="ko-KR" dirty="0" smtClean="0"/>
+              <a:t>Pip install -U ‘package’ / </a:t>
+            </a:r>
+            <a:r>
+              <a:rPr lang="en-US" altLang="ko-KR" dirty="0" err="1" smtClean="0"/>
+              <a:t>conda</a:t>
+            </a:r>
+            <a:r>
+              <a:rPr lang="en-US" altLang="ko-KR" dirty="0" smtClean="0"/>
+              <a:t> update ‘package’</a:t>
+            </a:r>
+          </a:p>
+          <a:p>
+            <a:pPr marL="285750" indent="-285750">
+              <a:lnSpc>
+                <a:spcPct val="150000"/>
+              </a:lnSpc>
+              <a:buClr>
+                <a:schemeClr val="accent1">
+                  <a:lumMod val="75000"/>
+                </a:schemeClr>
+              </a:buClr>
+              <a:buFont typeface="Wingdings" panose="05000000000000000000" pitchFamily="2" charset="2"/>
+              <a:buChar char="v"/>
+            </a:pPr>
+            <a:r>
+              <a:rPr lang="en-US" altLang="ko-KR" dirty="0" smtClean="0"/>
+              <a:t>Pip show ‘package’ / </a:t>
+            </a:r>
+            <a:r>
+              <a:rPr lang="en-US" altLang="ko-KR" strike="sngStrike" dirty="0" err="1" smtClean="0"/>
+              <a:t>conda</a:t>
+            </a:r>
+            <a:r>
+              <a:rPr lang="en-US" altLang="ko-KR" strike="sngStrike" dirty="0" smtClean="0"/>
+              <a:t> info ‘package’</a:t>
+            </a:r>
+          </a:p>
+          <a:p>
+            <a:pPr marL="285750" indent="-285750">
+              <a:lnSpc>
+                <a:spcPct val="150000"/>
+              </a:lnSpc>
+              <a:buClr>
+                <a:schemeClr val="accent1">
+                  <a:lumMod val="75000"/>
+                </a:schemeClr>
+              </a:buClr>
+              <a:buFont typeface="Wingdings" panose="05000000000000000000" pitchFamily="2" charset="2"/>
+              <a:buChar char="v"/>
+            </a:pPr>
+            <a:r>
+              <a:rPr lang="en-US" altLang="ko-KR" dirty="0" smtClean="0"/>
+              <a:t>Pip list / </a:t>
+            </a:r>
+            <a:r>
+              <a:rPr lang="en-US" altLang="ko-KR" dirty="0" err="1" smtClean="0"/>
+              <a:t>conda</a:t>
+            </a:r>
+            <a:r>
+              <a:rPr lang="en-US" altLang="ko-KR" dirty="0" smtClean="0"/>
+              <a:t> list</a:t>
+            </a:r>
+          </a:p>
+          <a:p>
+            <a:pPr marL="285750" indent="-285750">
+              <a:lnSpc>
+                <a:spcPct val="150000"/>
+              </a:lnSpc>
+              <a:buClr>
+                <a:schemeClr val="accent1">
+                  <a:lumMod val="75000"/>
+                </a:schemeClr>
+              </a:buClr>
+              <a:buFont typeface="Wingdings" panose="05000000000000000000" pitchFamily="2" charset="2"/>
+              <a:buChar char="v"/>
+            </a:pPr>
+            <a:endParaRPr lang="en-US" altLang="ko-KR" dirty="0" smtClean="0"/>
+          </a:p>
+        </p:txBody>
+      </p:sp>
+    </p:spTree>
+    <p:extLst>
+      <p:ext uri="{BB962C8B-B14F-4D97-AF65-F5344CB8AC3E}">
+        <p14:creationId xmlns:p14="http://schemas.microsoft.com/office/powerpoint/2010/main" val="1640320679"/>
+      </p:ext>
+    </p:extLst>
+  </p:cSld>
+  <p:clrMapOvr>
+    <a:masterClrMapping/>
+  </p:clrMapOvr>
+  <p:transition>
+    <p:fade/>
+  </p:transition>
+  <p:timing>
+    <p:tnLst>
+      <p:par>
+        <p:cTn id="1" dur="indefinite" restart="never" nodeType="tmRoot"/>
+      </p:par>
+    </p:tnLst>
+  </p:timing>
+</p:sld>
+</file>
+
+<file path=ppt/slides/slide11.xml><?xml version="1.0" encoding="utf-8"?>
+<p:sld xmlns:a="http://schemas.openxmlformats.org/drawingml/2006/main" xmlns:r="http://schemas.openxmlformats.org/officeDocument/2006/relationships" xmlns:p="http://schemas.openxmlformats.org/presentationml/2006/main">
+  <p:cSld>
+    <p:spTree>
+      <p:nvGrpSpPr>
+        <p:cNvPr id="1" name=""/>
+        <p:cNvGrpSpPr/>
+        <p:nvPr/>
+      </p:nvGrpSpPr>
+      <p:grpSpPr>
+        <a:xfrm>
+          <a:off x="0" y="0"/>
+          <a:ext cx="0" cy="0"/>
+          <a:chOff x="0" y="0"/>
+          <a:chExt cx="0" cy="0"/>
+        </a:xfrm>
+      </p:grpSpPr>
+      <p:sp>
+        <p:nvSpPr>
+          <p:cNvPr id="2" name="제목 1"/>
+          <p:cNvSpPr>
+            <a:spLocks noGrp="1"/>
+          </p:cNvSpPr>
+          <p:nvPr>
+            <p:ph type="title"/>
+          </p:nvPr>
+        </p:nvSpPr>
+        <p:spPr/>
+        <p:txBody>
+          <a:bodyPr/>
+          <a:lstStyle/>
+          <a:p>
+            <a:r>
+              <a:rPr lang="en-US" altLang="ko-KR" dirty="0" smtClean="0"/>
+              <a:t>Python</a:t>
+            </a:r>
+            <a:endParaRPr lang="ko-KR" altLang="en-US" dirty="0"/>
+          </a:p>
+        </p:txBody>
+      </p:sp>
+      <p:sp>
+        <p:nvSpPr>
+          <p:cNvPr id="3" name="내용 개체 틀 2"/>
+          <p:cNvSpPr>
+            <a:spLocks noGrp="1"/>
+          </p:cNvSpPr>
+          <p:nvPr>
+            <p:ph idx="1"/>
+          </p:nvPr>
+        </p:nvSpPr>
+        <p:spPr/>
+        <p:txBody>
+          <a:bodyPr/>
+          <a:lstStyle/>
+          <a:p>
+            <a:r>
+              <a:rPr lang="en-US" altLang="ko-KR" dirty="0" smtClean="0"/>
               <a:t>IDE</a:t>
             </a:r>
             <a:endParaRPr lang="ko-KR" altLang="en-US" dirty="0"/>
@@ -2323,7 +2595,7 @@
 </p:sld>
 </file>
 
-<file path=ppt/slides/slide11.xml><?xml version="1.0" encoding="utf-8"?>
+<file path=ppt/slides/slide12.xml><?xml version="1.0" encoding="utf-8"?>
 <p:sld xmlns:a="http://schemas.openxmlformats.org/drawingml/2006/main" xmlns:r="http://schemas.openxmlformats.org/officeDocument/2006/relationships" xmlns:p="http://schemas.openxmlformats.org/presentationml/2006/main">
   <p:cSld>
     <p:spTree>
@@ -2735,7 +3007,7 @@
 </p:sld>
 </file>
 
-<file path=ppt/slides/slide12.xml><?xml version="1.0" encoding="utf-8"?>
+<file path=ppt/slides/slide13.xml><?xml version="1.0" encoding="utf-8"?>
 <p:sld xmlns:a="http://schemas.openxmlformats.org/drawingml/2006/main" xmlns:r="http://schemas.openxmlformats.org/officeDocument/2006/relationships" xmlns:p="http://schemas.openxmlformats.org/presentationml/2006/main">
   <p:cSld>
     <p:spTree>
@@ -3011,7 +3283,7 @@
 </p:sld>
 </file>
 
-<file path=ppt/slides/slide13.xml><?xml version="1.0" encoding="utf-8"?>
+<file path=ppt/slides/slide14.xml><?xml version="1.0" encoding="utf-8"?>
 <p:sld xmlns:a="http://schemas.openxmlformats.org/drawingml/2006/main" xmlns:r="http://schemas.openxmlformats.org/officeDocument/2006/relationships" xmlns:p="http://schemas.openxmlformats.org/presentationml/2006/main">
   <p:cSld>
     <p:spTree>
@@ -3116,6 +3388,3408 @@
       </p:grpSpPr>
       <p:sp>
         <p:nvSpPr>
+          <p:cNvPr id="2" name="제목 1"/>
+          <p:cNvSpPr>
+            <a:spLocks noGrp="1"/>
+          </p:cNvSpPr>
+          <p:nvPr>
+            <p:ph type="title"/>
+          </p:nvPr>
+        </p:nvSpPr>
+        <p:spPr/>
+        <p:txBody>
+          <a:bodyPr/>
+          <a:lstStyle/>
+          <a:p>
+            <a:r>
+              <a:rPr lang="ko-KR" altLang="en-US" dirty="0"/>
+              <a:t>강사 소개</a:t>
+            </a:r>
+          </a:p>
+        </p:txBody>
+      </p:sp>
+      <p:grpSp>
+        <p:nvGrpSpPr>
+          <p:cNvPr id="13" name="그룹 12">
+            <a:extLst>
+              <a:ext uri="{FF2B5EF4-FFF2-40B4-BE49-F238E27FC236}">
+                <a16:creationId xmlns:a16="http://schemas.microsoft.com/office/drawing/2014/main" xmlns="" id="{C9AB61A7-274F-4D45-A5C5-161527BD11FD}"/>
+              </a:ext>
+            </a:extLst>
+          </p:cNvPr>
+          <p:cNvGrpSpPr/>
+          <p:nvPr/>
+        </p:nvGrpSpPr>
+        <p:grpSpPr>
+          <a:xfrm>
+            <a:off x="3624152" y="1065921"/>
+            <a:ext cx="5195051" cy="1972269"/>
+            <a:chOff x="172345" y="161911"/>
+            <a:chExt cx="1515149" cy="514338"/>
+          </a:xfrm>
+        </p:grpSpPr>
+        <p:cxnSp>
+          <p:nvCxnSpPr>
+            <p:cNvPr id="14" name="직선 연결선 13">
+              <a:extLst>
+                <a:ext uri="{FF2B5EF4-FFF2-40B4-BE49-F238E27FC236}">
+                  <a16:creationId xmlns:a16="http://schemas.microsoft.com/office/drawing/2014/main" xmlns="" id="{932F85EA-1951-42FE-9CB1-D8DE95BC4050}"/>
+                </a:ext>
+              </a:extLst>
+            </p:cNvPr>
+            <p:cNvCxnSpPr/>
+            <p:nvPr/>
+          </p:nvCxnSpPr>
+          <p:spPr>
+            <a:xfrm>
+              <a:off x="172345" y="676249"/>
+              <a:ext cx="1512545" cy="0"/>
+            </a:xfrm>
+            <a:prstGeom prst="line">
+              <a:avLst/>
+            </a:prstGeom>
+            <a:ln w="19050">
+              <a:solidFill>
+                <a:srgbClr val="0070C0"/>
+              </a:solidFill>
+            </a:ln>
+          </p:spPr>
+          <p:style>
+            <a:lnRef idx="1">
+              <a:schemeClr val="accent1"/>
+            </a:lnRef>
+            <a:fillRef idx="0">
+              <a:schemeClr val="accent1"/>
+            </a:fillRef>
+            <a:effectRef idx="0">
+              <a:schemeClr val="accent1"/>
+            </a:effectRef>
+            <a:fontRef idx="minor">
+              <a:schemeClr val="tx1"/>
+            </a:fontRef>
+          </p:style>
+        </p:cxnSp>
+        <p:cxnSp>
+          <p:nvCxnSpPr>
+            <p:cNvPr id="18" name="직선 연결선 17">
+              <a:extLst>
+                <a:ext uri="{FF2B5EF4-FFF2-40B4-BE49-F238E27FC236}">
+                  <a16:creationId xmlns:a16="http://schemas.microsoft.com/office/drawing/2014/main" xmlns="" id="{2F23098F-A630-43BE-86D0-EDF3D0245F44}"/>
+                </a:ext>
+              </a:extLst>
+            </p:cNvPr>
+            <p:cNvCxnSpPr/>
+            <p:nvPr/>
+          </p:nvCxnSpPr>
+          <p:spPr>
+            <a:xfrm>
+              <a:off x="172345" y="161911"/>
+              <a:ext cx="1515149" cy="0"/>
+            </a:xfrm>
+            <a:prstGeom prst="line">
+              <a:avLst/>
+            </a:prstGeom>
+            <a:ln w="19050">
+              <a:solidFill>
+                <a:srgbClr val="0070C0"/>
+              </a:solidFill>
+            </a:ln>
+          </p:spPr>
+          <p:style>
+            <a:lnRef idx="1">
+              <a:schemeClr val="accent1"/>
+            </a:lnRef>
+            <a:fillRef idx="0">
+              <a:schemeClr val="accent1"/>
+            </a:fillRef>
+            <a:effectRef idx="0">
+              <a:schemeClr val="accent1"/>
+            </a:effectRef>
+            <a:fontRef idx="minor">
+              <a:schemeClr val="tx1"/>
+            </a:fontRef>
+          </p:style>
+        </p:cxnSp>
+      </p:grpSp>
+      <p:sp>
+        <p:nvSpPr>
+          <p:cNvPr id="19" name="타원 18">
+            <a:extLst>
+              <a:ext uri="{FF2B5EF4-FFF2-40B4-BE49-F238E27FC236}">
+                <a16:creationId xmlns:a16="http://schemas.microsoft.com/office/drawing/2014/main" xmlns="" id="{59084A77-C564-425F-A744-CDD734DC69F6}"/>
+              </a:ext>
+            </a:extLst>
+          </p:cNvPr>
+          <p:cNvSpPr/>
+          <p:nvPr/>
+        </p:nvSpPr>
+        <p:spPr>
+          <a:xfrm>
+            <a:off x="7548927" y="824583"/>
+            <a:ext cx="487680" cy="487680"/>
+          </a:xfrm>
+          <a:prstGeom prst="ellipse">
+            <a:avLst/>
+          </a:prstGeom>
+          <a:solidFill>
+            <a:srgbClr val="0070C0"/>
+          </a:solidFill>
+          <a:ln>
+            <a:noFill/>
+          </a:ln>
+        </p:spPr>
+        <p:style>
+          <a:lnRef idx="2">
+            <a:schemeClr val="accent1">
+              <a:shade val="50000"/>
+            </a:schemeClr>
+          </a:lnRef>
+          <a:fillRef idx="1">
+            <a:schemeClr val="accent1"/>
+          </a:fillRef>
+          <a:effectRef idx="0">
+            <a:schemeClr val="accent1"/>
+          </a:effectRef>
+          <a:fontRef idx="minor">
+            <a:schemeClr val="lt1"/>
+          </a:fontRef>
+        </p:style>
+        <p:txBody>
+          <a:bodyPr rtlCol="0" anchor="ctr"/>
+          <a:lstStyle/>
+          <a:p>
+            <a:pPr algn="ctr"/>
+            <a:endParaRPr lang="ko-KR" altLang="en-US" dirty="0">
+              <a:ea typeface="나눔고딕" panose="020D0604000000000000" pitchFamily="50" charset="-127"/>
+            </a:endParaRPr>
+          </a:p>
+        </p:txBody>
+      </p:sp>
+      <p:sp>
+        <p:nvSpPr>
+          <p:cNvPr id="20" name="Freeform 13">
+            <a:extLst>
+              <a:ext uri="{FF2B5EF4-FFF2-40B4-BE49-F238E27FC236}">
+                <a16:creationId xmlns:a16="http://schemas.microsoft.com/office/drawing/2014/main" xmlns="" id="{D5588E51-9477-4DBD-BE31-3336029375AE}"/>
+              </a:ext>
+            </a:extLst>
+          </p:cNvPr>
+          <p:cNvSpPr>
+            <a:spLocks noEditPoints="1"/>
+          </p:cNvSpPr>
+          <p:nvPr/>
+        </p:nvSpPr>
+        <p:spPr bwMode="auto">
+          <a:xfrm>
+            <a:off x="7641957" y="904153"/>
+            <a:ext cx="301625" cy="323532"/>
+          </a:xfrm>
+          <a:custGeom>
+            <a:avLst/>
+            <a:gdLst>
+              <a:gd name="T0" fmla="*/ 852 w 3236"/>
+              <a:gd name="T1" fmla="*/ 2719 h 3204"/>
+              <a:gd name="T2" fmla="*/ 548 w 3236"/>
+              <a:gd name="T3" fmla="*/ 2828 h 3204"/>
+              <a:gd name="T4" fmla="*/ 331 w 3236"/>
+              <a:gd name="T5" fmla="*/ 2930 h 3204"/>
+              <a:gd name="T6" fmla="*/ 215 w 3236"/>
+              <a:gd name="T7" fmla="*/ 2995 h 3204"/>
+              <a:gd name="T8" fmla="*/ 3019 w 3236"/>
+              <a:gd name="T9" fmla="*/ 2994 h 3204"/>
+              <a:gd name="T10" fmla="*/ 2902 w 3236"/>
+              <a:gd name="T11" fmla="*/ 2928 h 3204"/>
+              <a:gd name="T12" fmla="*/ 2685 w 3236"/>
+              <a:gd name="T13" fmla="*/ 2826 h 3204"/>
+              <a:gd name="T14" fmla="*/ 2382 w 3236"/>
+              <a:gd name="T15" fmla="*/ 2718 h 3204"/>
+              <a:gd name="T16" fmla="*/ 1869 w 3236"/>
+              <a:gd name="T17" fmla="*/ 2636 h 3204"/>
+              <a:gd name="T18" fmla="*/ 1619 w 3236"/>
+              <a:gd name="T19" fmla="*/ 2704 h 3204"/>
+              <a:gd name="T20" fmla="*/ 1367 w 3236"/>
+              <a:gd name="T21" fmla="*/ 2636 h 3204"/>
+              <a:gd name="T22" fmla="*/ 1438 w 3236"/>
+              <a:gd name="T23" fmla="*/ 222 h 3204"/>
+              <a:gd name="T24" fmla="*/ 1193 w 3236"/>
+              <a:gd name="T25" fmla="*/ 343 h 3204"/>
+              <a:gd name="T26" fmla="*/ 1011 w 3236"/>
+              <a:gd name="T27" fmla="*/ 545 h 3204"/>
+              <a:gd name="T28" fmla="*/ 889 w 3236"/>
+              <a:gd name="T29" fmla="*/ 799 h 3204"/>
+              <a:gd name="T30" fmla="*/ 825 w 3236"/>
+              <a:gd name="T31" fmla="*/ 1076 h 3204"/>
+              <a:gd name="T32" fmla="*/ 835 w 3236"/>
+              <a:gd name="T33" fmla="*/ 1556 h 3204"/>
+              <a:gd name="T34" fmla="*/ 982 w 3236"/>
+              <a:gd name="T35" fmla="*/ 2015 h 3204"/>
+              <a:gd name="T36" fmla="*/ 1220 w 3236"/>
+              <a:gd name="T37" fmla="*/ 2384 h 3204"/>
+              <a:gd name="T38" fmla="*/ 1463 w 3236"/>
+              <a:gd name="T39" fmla="*/ 2561 h 3204"/>
+              <a:gd name="T40" fmla="*/ 1722 w 3236"/>
+              <a:gd name="T41" fmla="*/ 2577 h 3204"/>
+              <a:gd name="T42" fmla="*/ 1971 w 3236"/>
+              <a:gd name="T43" fmla="*/ 2432 h 3204"/>
+              <a:gd name="T44" fmla="*/ 2211 w 3236"/>
+              <a:gd name="T45" fmla="*/ 2102 h 3204"/>
+              <a:gd name="T46" fmla="*/ 2383 w 3236"/>
+              <a:gd name="T47" fmla="*/ 1651 h 3204"/>
+              <a:gd name="T48" fmla="*/ 2420 w 3236"/>
+              <a:gd name="T49" fmla="*/ 1173 h 3204"/>
+              <a:gd name="T50" fmla="*/ 2365 w 3236"/>
+              <a:gd name="T51" fmla="*/ 853 h 3204"/>
+              <a:gd name="T52" fmla="*/ 2255 w 3236"/>
+              <a:gd name="T53" fmla="*/ 592 h 3204"/>
+              <a:gd name="T54" fmla="*/ 2085 w 3236"/>
+              <a:gd name="T55" fmla="*/ 378 h 3204"/>
+              <a:gd name="T56" fmla="*/ 1852 w 3236"/>
+              <a:gd name="T57" fmla="*/ 238 h 3204"/>
+              <a:gd name="T58" fmla="*/ 1619 w 3236"/>
+              <a:gd name="T59" fmla="*/ 0 h 3204"/>
+              <a:gd name="T60" fmla="*/ 1959 w 3236"/>
+              <a:gd name="T61" fmla="*/ 61 h 3204"/>
+              <a:gd name="T62" fmla="*/ 2242 w 3236"/>
+              <a:gd name="T63" fmla="*/ 238 h 3204"/>
+              <a:gd name="T64" fmla="*/ 2456 w 3236"/>
+              <a:gd name="T65" fmla="*/ 527 h 3204"/>
+              <a:gd name="T66" fmla="*/ 2581 w 3236"/>
+              <a:gd name="T67" fmla="*/ 876 h 3204"/>
+              <a:gd name="T68" fmla="*/ 2628 w 3236"/>
+              <a:gd name="T69" fmla="*/ 1233 h 3204"/>
+              <a:gd name="T70" fmla="*/ 2614 w 3236"/>
+              <a:gd name="T71" fmla="*/ 1546 h 3204"/>
+              <a:gd name="T72" fmla="*/ 2539 w 3236"/>
+              <a:gd name="T73" fmla="*/ 1837 h 3204"/>
+              <a:gd name="T74" fmla="*/ 2386 w 3236"/>
+              <a:gd name="T75" fmla="*/ 2193 h 3204"/>
+              <a:gd name="T76" fmla="*/ 2285 w 3236"/>
+              <a:gd name="T77" fmla="*/ 2484 h 3204"/>
+              <a:gd name="T78" fmla="*/ 2630 w 3236"/>
+              <a:gd name="T79" fmla="*/ 2589 h 3204"/>
+              <a:gd name="T80" fmla="*/ 2898 w 3236"/>
+              <a:gd name="T81" fmla="*/ 2703 h 3204"/>
+              <a:gd name="T82" fmla="*/ 3075 w 3236"/>
+              <a:gd name="T83" fmla="*/ 2794 h 3204"/>
+              <a:gd name="T84" fmla="*/ 3147 w 3236"/>
+              <a:gd name="T85" fmla="*/ 2837 h 3204"/>
+              <a:gd name="T86" fmla="*/ 3233 w 3236"/>
+              <a:gd name="T87" fmla="*/ 2967 h 3204"/>
+              <a:gd name="T88" fmla="*/ 3199 w 3236"/>
+              <a:gd name="T89" fmla="*/ 3120 h 3204"/>
+              <a:gd name="T90" fmla="*/ 3067 w 3236"/>
+              <a:gd name="T91" fmla="*/ 3201 h 3204"/>
+              <a:gd name="T92" fmla="*/ 108 w 3236"/>
+              <a:gd name="T93" fmla="*/ 3182 h 3204"/>
+              <a:gd name="T94" fmla="*/ 8 w 3236"/>
+              <a:gd name="T95" fmla="*/ 3062 h 3204"/>
+              <a:gd name="T96" fmla="*/ 25 w 3236"/>
+              <a:gd name="T97" fmla="*/ 2908 h 3204"/>
+              <a:gd name="T98" fmla="*/ 105 w 3236"/>
+              <a:gd name="T99" fmla="*/ 2828 h 3204"/>
+              <a:gd name="T100" fmla="*/ 220 w 3236"/>
+              <a:gd name="T101" fmla="*/ 2762 h 3204"/>
+              <a:gd name="T102" fmla="*/ 435 w 3236"/>
+              <a:gd name="T103" fmla="*/ 2658 h 3204"/>
+              <a:gd name="T104" fmla="*/ 736 w 3236"/>
+              <a:gd name="T105" fmla="*/ 2545 h 3204"/>
+              <a:gd name="T106" fmla="*/ 979 w 3236"/>
+              <a:gd name="T107" fmla="*/ 2402 h 3204"/>
+              <a:gd name="T108" fmla="*/ 780 w 3236"/>
+              <a:gd name="T109" fmla="*/ 2048 h 3204"/>
+              <a:gd name="T110" fmla="*/ 657 w 3236"/>
+              <a:gd name="T111" fmla="*/ 1707 h 3204"/>
+              <a:gd name="T112" fmla="*/ 611 w 3236"/>
+              <a:gd name="T113" fmla="*/ 1430 h 3204"/>
+              <a:gd name="T114" fmla="*/ 619 w 3236"/>
+              <a:gd name="T115" fmla="*/ 1092 h 3204"/>
+              <a:gd name="T116" fmla="*/ 695 w 3236"/>
+              <a:gd name="T117" fmla="*/ 733 h 3204"/>
+              <a:gd name="T118" fmla="*/ 856 w 3236"/>
+              <a:gd name="T119" fmla="*/ 400 h 3204"/>
+              <a:gd name="T120" fmla="*/ 1100 w 3236"/>
+              <a:gd name="T121" fmla="*/ 154 h 3204"/>
+              <a:gd name="T122" fmla="*/ 1407 w 3236"/>
+              <a:gd name="T123" fmla="*/ 22 h 3204"/>
+            </a:gdLst>
+            <a:ahLst/>
+            <a:cxnLst>
+              <a:cxn ang="0">
+                <a:pos x="T0" y="T1"/>
+              </a:cxn>
+              <a:cxn ang="0">
+                <a:pos x="T2" y="T3"/>
+              </a:cxn>
+              <a:cxn ang="0">
+                <a:pos x="T4" y="T5"/>
+              </a:cxn>
+              <a:cxn ang="0">
+                <a:pos x="T6" y="T7"/>
+              </a:cxn>
+              <a:cxn ang="0">
+                <a:pos x="T8" y="T9"/>
+              </a:cxn>
+              <a:cxn ang="0">
+                <a:pos x="T10" y="T11"/>
+              </a:cxn>
+              <a:cxn ang="0">
+                <a:pos x="T12" y="T13"/>
+              </a:cxn>
+              <a:cxn ang="0">
+                <a:pos x="T14" y="T15"/>
+              </a:cxn>
+              <a:cxn ang="0">
+                <a:pos x="T16" y="T17"/>
+              </a:cxn>
+              <a:cxn ang="0">
+                <a:pos x="T18" y="T19"/>
+              </a:cxn>
+              <a:cxn ang="0">
+                <a:pos x="T20" y="T21"/>
+              </a:cxn>
+              <a:cxn ang="0">
+                <a:pos x="T22" y="T23"/>
+              </a:cxn>
+              <a:cxn ang="0">
+                <a:pos x="T24" y="T25"/>
+              </a:cxn>
+              <a:cxn ang="0">
+                <a:pos x="T26" y="T27"/>
+              </a:cxn>
+              <a:cxn ang="0">
+                <a:pos x="T28" y="T29"/>
+              </a:cxn>
+              <a:cxn ang="0">
+                <a:pos x="T30" y="T31"/>
+              </a:cxn>
+              <a:cxn ang="0">
+                <a:pos x="T32" y="T33"/>
+              </a:cxn>
+              <a:cxn ang="0">
+                <a:pos x="T34" y="T35"/>
+              </a:cxn>
+              <a:cxn ang="0">
+                <a:pos x="T36" y="T37"/>
+              </a:cxn>
+              <a:cxn ang="0">
+                <a:pos x="T38" y="T39"/>
+              </a:cxn>
+              <a:cxn ang="0">
+                <a:pos x="T40" y="T41"/>
+              </a:cxn>
+              <a:cxn ang="0">
+                <a:pos x="T42" y="T43"/>
+              </a:cxn>
+              <a:cxn ang="0">
+                <a:pos x="T44" y="T45"/>
+              </a:cxn>
+              <a:cxn ang="0">
+                <a:pos x="T46" y="T47"/>
+              </a:cxn>
+              <a:cxn ang="0">
+                <a:pos x="T48" y="T49"/>
+              </a:cxn>
+              <a:cxn ang="0">
+                <a:pos x="T50" y="T51"/>
+              </a:cxn>
+              <a:cxn ang="0">
+                <a:pos x="T52" y="T53"/>
+              </a:cxn>
+              <a:cxn ang="0">
+                <a:pos x="T54" y="T55"/>
+              </a:cxn>
+              <a:cxn ang="0">
+                <a:pos x="T56" y="T57"/>
+              </a:cxn>
+              <a:cxn ang="0">
+                <a:pos x="T58" y="T59"/>
+              </a:cxn>
+              <a:cxn ang="0">
+                <a:pos x="T60" y="T61"/>
+              </a:cxn>
+              <a:cxn ang="0">
+                <a:pos x="T62" y="T63"/>
+              </a:cxn>
+              <a:cxn ang="0">
+                <a:pos x="T64" y="T65"/>
+              </a:cxn>
+              <a:cxn ang="0">
+                <a:pos x="T66" y="T67"/>
+              </a:cxn>
+              <a:cxn ang="0">
+                <a:pos x="T68" y="T69"/>
+              </a:cxn>
+              <a:cxn ang="0">
+                <a:pos x="T70" y="T71"/>
+              </a:cxn>
+              <a:cxn ang="0">
+                <a:pos x="T72" y="T73"/>
+              </a:cxn>
+              <a:cxn ang="0">
+                <a:pos x="T74" y="T75"/>
+              </a:cxn>
+              <a:cxn ang="0">
+                <a:pos x="T76" y="T77"/>
+              </a:cxn>
+              <a:cxn ang="0">
+                <a:pos x="T78" y="T79"/>
+              </a:cxn>
+              <a:cxn ang="0">
+                <a:pos x="T80" y="T81"/>
+              </a:cxn>
+              <a:cxn ang="0">
+                <a:pos x="T82" y="T83"/>
+              </a:cxn>
+              <a:cxn ang="0">
+                <a:pos x="T84" y="T85"/>
+              </a:cxn>
+              <a:cxn ang="0">
+                <a:pos x="T86" y="T87"/>
+              </a:cxn>
+              <a:cxn ang="0">
+                <a:pos x="T88" y="T89"/>
+              </a:cxn>
+              <a:cxn ang="0">
+                <a:pos x="T90" y="T91"/>
+              </a:cxn>
+              <a:cxn ang="0">
+                <a:pos x="T92" y="T93"/>
+              </a:cxn>
+              <a:cxn ang="0">
+                <a:pos x="T94" y="T95"/>
+              </a:cxn>
+              <a:cxn ang="0">
+                <a:pos x="T96" y="T97"/>
+              </a:cxn>
+              <a:cxn ang="0">
+                <a:pos x="T98" y="T99"/>
+              </a:cxn>
+              <a:cxn ang="0">
+                <a:pos x="T100" y="T101"/>
+              </a:cxn>
+              <a:cxn ang="0">
+                <a:pos x="T102" y="T103"/>
+              </a:cxn>
+              <a:cxn ang="0">
+                <a:pos x="T104" y="T105"/>
+              </a:cxn>
+              <a:cxn ang="0">
+                <a:pos x="T106" y="T107"/>
+              </a:cxn>
+              <a:cxn ang="0">
+                <a:pos x="T108" y="T109"/>
+              </a:cxn>
+              <a:cxn ang="0">
+                <a:pos x="T110" y="T111"/>
+              </a:cxn>
+              <a:cxn ang="0">
+                <a:pos x="T112" y="T113"/>
+              </a:cxn>
+              <a:cxn ang="0">
+                <a:pos x="T114" y="T115"/>
+              </a:cxn>
+              <a:cxn ang="0">
+                <a:pos x="T116" y="T117"/>
+              </a:cxn>
+              <a:cxn ang="0">
+                <a:pos x="T118" y="T119"/>
+              </a:cxn>
+              <a:cxn ang="0">
+                <a:pos x="T120" y="T121"/>
+              </a:cxn>
+              <a:cxn ang="0">
+                <a:pos x="T122" y="T123"/>
+              </a:cxn>
+            </a:cxnLst>
+            <a:rect l="0" t="0" r="r" b="b"/>
+            <a:pathLst>
+              <a:path w="3236" h="3204">
+                <a:moveTo>
+                  <a:pt x="1322" y="2609"/>
+                </a:moveTo>
+                <a:lnTo>
+                  <a:pt x="1070" y="2663"/>
+                </a:lnTo>
+                <a:lnTo>
+                  <a:pt x="995" y="2680"/>
+                </a:lnTo>
+                <a:lnTo>
+                  <a:pt x="922" y="2698"/>
+                </a:lnTo>
+                <a:lnTo>
+                  <a:pt x="852" y="2719"/>
+                </a:lnTo>
+                <a:lnTo>
+                  <a:pt x="785" y="2739"/>
+                </a:lnTo>
+                <a:lnTo>
+                  <a:pt x="721" y="2761"/>
+                </a:lnTo>
+                <a:lnTo>
+                  <a:pt x="660" y="2783"/>
+                </a:lnTo>
+                <a:lnTo>
+                  <a:pt x="602" y="2806"/>
+                </a:lnTo>
+                <a:lnTo>
+                  <a:pt x="548" y="2828"/>
+                </a:lnTo>
+                <a:lnTo>
+                  <a:pt x="497" y="2849"/>
+                </a:lnTo>
+                <a:lnTo>
+                  <a:pt x="449" y="2871"/>
+                </a:lnTo>
+                <a:lnTo>
+                  <a:pt x="406" y="2891"/>
+                </a:lnTo>
+                <a:lnTo>
+                  <a:pt x="367" y="2912"/>
+                </a:lnTo>
+                <a:lnTo>
+                  <a:pt x="331" y="2930"/>
+                </a:lnTo>
+                <a:lnTo>
+                  <a:pt x="299" y="2947"/>
+                </a:lnTo>
+                <a:lnTo>
+                  <a:pt x="272" y="2962"/>
+                </a:lnTo>
+                <a:lnTo>
+                  <a:pt x="248" y="2976"/>
+                </a:lnTo>
+                <a:lnTo>
+                  <a:pt x="230" y="2986"/>
+                </a:lnTo>
+                <a:lnTo>
+                  <a:pt x="215" y="2995"/>
+                </a:lnTo>
+                <a:lnTo>
+                  <a:pt x="206" y="3001"/>
+                </a:lnTo>
+                <a:lnTo>
+                  <a:pt x="202" y="3004"/>
+                </a:lnTo>
+                <a:lnTo>
+                  <a:pt x="3034" y="3004"/>
+                </a:lnTo>
+                <a:lnTo>
+                  <a:pt x="3029" y="3000"/>
+                </a:lnTo>
+                <a:lnTo>
+                  <a:pt x="3019" y="2994"/>
+                </a:lnTo>
+                <a:lnTo>
+                  <a:pt x="3004" y="2985"/>
+                </a:lnTo>
+                <a:lnTo>
+                  <a:pt x="2985" y="2974"/>
+                </a:lnTo>
+                <a:lnTo>
+                  <a:pt x="2962" y="2961"/>
+                </a:lnTo>
+                <a:lnTo>
+                  <a:pt x="2934" y="2945"/>
+                </a:lnTo>
+                <a:lnTo>
+                  <a:pt x="2902" y="2928"/>
+                </a:lnTo>
+                <a:lnTo>
+                  <a:pt x="2866" y="2910"/>
+                </a:lnTo>
+                <a:lnTo>
+                  <a:pt x="2826" y="2890"/>
+                </a:lnTo>
+                <a:lnTo>
+                  <a:pt x="2783" y="2870"/>
+                </a:lnTo>
+                <a:lnTo>
+                  <a:pt x="2735" y="2848"/>
+                </a:lnTo>
+                <a:lnTo>
+                  <a:pt x="2685" y="2826"/>
+                </a:lnTo>
+                <a:lnTo>
+                  <a:pt x="2631" y="2805"/>
+                </a:lnTo>
+                <a:lnTo>
+                  <a:pt x="2574" y="2782"/>
+                </a:lnTo>
+                <a:lnTo>
+                  <a:pt x="2513" y="2760"/>
+                </a:lnTo>
+                <a:lnTo>
+                  <a:pt x="2449" y="2739"/>
+                </a:lnTo>
+                <a:lnTo>
+                  <a:pt x="2382" y="2718"/>
+                </a:lnTo>
+                <a:lnTo>
+                  <a:pt x="2313" y="2698"/>
+                </a:lnTo>
+                <a:lnTo>
+                  <a:pt x="2241" y="2680"/>
+                </a:lnTo>
+                <a:lnTo>
+                  <a:pt x="2166" y="2663"/>
+                </a:lnTo>
+                <a:lnTo>
+                  <a:pt x="1914" y="2609"/>
+                </a:lnTo>
+                <a:lnTo>
+                  <a:pt x="1869" y="2636"/>
+                </a:lnTo>
+                <a:lnTo>
+                  <a:pt x="1822" y="2660"/>
+                </a:lnTo>
+                <a:lnTo>
+                  <a:pt x="1773" y="2678"/>
+                </a:lnTo>
+                <a:lnTo>
+                  <a:pt x="1724" y="2692"/>
+                </a:lnTo>
+                <a:lnTo>
+                  <a:pt x="1671" y="2700"/>
+                </a:lnTo>
+                <a:lnTo>
+                  <a:pt x="1619" y="2704"/>
+                </a:lnTo>
+                <a:lnTo>
+                  <a:pt x="1565" y="2700"/>
+                </a:lnTo>
+                <a:lnTo>
+                  <a:pt x="1514" y="2692"/>
+                </a:lnTo>
+                <a:lnTo>
+                  <a:pt x="1463" y="2678"/>
+                </a:lnTo>
+                <a:lnTo>
+                  <a:pt x="1415" y="2660"/>
+                </a:lnTo>
+                <a:lnTo>
+                  <a:pt x="1367" y="2636"/>
+                </a:lnTo>
+                <a:lnTo>
+                  <a:pt x="1322" y="2609"/>
+                </a:lnTo>
+                <a:close/>
+                <a:moveTo>
+                  <a:pt x="1619" y="200"/>
+                </a:moveTo>
+                <a:lnTo>
+                  <a:pt x="1556" y="203"/>
+                </a:lnTo>
+                <a:lnTo>
+                  <a:pt x="1496" y="210"/>
+                </a:lnTo>
+                <a:lnTo>
+                  <a:pt x="1438" y="222"/>
+                </a:lnTo>
+                <a:lnTo>
+                  <a:pt x="1385" y="238"/>
+                </a:lnTo>
+                <a:lnTo>
+                  <a:pt x="1332" y="259"/>
+                </a:lnTo>
+                <a:lnTo>
+                  <a:pt x="1284" y="283"/>
+                </a:lnTo>
+                <a:lnTo>
+                  <a:pt x="1236" y="312"/>
+                </a:lnTo>
+                <a:lnTo>
+                  <a:pt x="1193" y="343"/>
+                </a:lnTo>
+                <a:lnTo>
+                  <a:pt x="1152" y="378"/>
+                </a:lnTo>
+                <a:lnTo>
+                  <a:pt x="1113" y="416"/>
+                </a:lnTo>
+                <a:lnTo>
+                  <a:pt x="1077" y="456"/>
+                </a:lnTo>
+                <a:lnTo>
+                  <a:pt x="1043" y="499"/>
+                </a:lnTo>
+                <a:lnTo>
+                  <a:pt x="1011" y="545"/>
+                </a:lnTo>
+                <a:lnTo>
+                  <a:pt x="982" y="592"/>
+                </a:lnTo>
+                <a:lnTo>
+                  <a:pt x="955" y="642"/>
+                </a:lnTo>
+                <a:lnTo>
+                  <a:pt x="930" y="693"/>
+                </a:lnTo>
+                <a:lnTo>
+                  <a:pt x="909" y="745"/>
+                </a:lnTo>
+                <a:lnTo>
+                  <a:pt x="889" y="799"/>
+                </a:lnTo>
+                <a:lnTo>
+                  <a:pt x="872" y="853"/>
+                </a:lnTo>
+                <a:lnTo>
+                  <a:pt x="857" y="908"/>
+                </a:lnTo>
+                <a:lnTo>
+                  <a:pt x="845" y="964"/>
+                </a:lnTo>
+                <a:lnTo>
+                  <a:pt x="834" y="1020"/>
+                </a:lnTo>
+                <a:lnTo>
+                  <a:pt x="825" y="1076"/>
+                </a:lnTo>
+                <a:lnTo>
+                  <a:pt x="816" y="1172"/>
+                </a:lnTo>
+                <a:lnTo>
+                  <a:pt x="812" y="1268"/>
+                </a:lnTo>
+                <a:lnTo>
+                  <a:pt x="814" y="1364"/>
+                </a:lnTo>
+                <a:lnTo>
+                  <a:pt x="821" y="1460"/>
+                </a:lnTo>
+                <a:lnTo>
+                  <a:pt x="835" y="1556"/>
+                </a:lnTo>
+                <a:lnTo>
+                  <a:pt x="854" y="1651"/>
+                </a:lnTo>
+                <a:lnTo>
+                  <a:pt x="878" y="1744"/>
+                </a:lnTo>
+                <a:lnTo>
+                  <a:pt x="908" y="1837"/>
+                </a:lnTo>
+                <a:lnTo>
+                  <a:pt x="942" y="1926"/>
+                </a:lnTo>
+                <a:lnTo>
+                  <a:pt x="982" y="2015"/>
+                </a:lnTo>
+                <a:lnTo>
+                  <a:pt x="1026" y="2102"/>
+                </a:lnTo>
+                <a:lnTo>
+                  <a:pt x="1075" y="2184"/>
+                </a:lnTo>
+                <a:lnTo>
+                  <a:pt x="1129" y="2266"/>
+                </a:lnTo>
+                <a:lnTo>
+                  <a:pt x="1187" y="2342"/>
+                </a:lnTo>
+                <a:lnTo>
+                  <a:pt x="1220" y="2384"/>
+                </a:lnTo>
+                <a:lnTo>
+                  <a:pt x="1266" y="2432"/>
+                </a:lnTo>
+                <a:lnTo>
+                  <a:pt x="1314" y="2474"/>
+                </a:lnTo>
+                <a:lnTo>
+                  <a:pt x="1362" y="2510"/>
+                </a:lnTo>
+                <a:lnTo>
+                  <a:pt x="1413" y="2538"/>
+                </a:lnTo>
+                <a:lnTo>
+                  <a:pt x="1463" y="2561"/>
+                </a:lnTo>
+                <a:lnTo>
+                  <a:pt x="1515" y="2577"/>
+                </a:lnTo>
+                <a:lnTo>
+                  <a:pt x="1566" y="2586"/>
+                </a:lnTo>
+                <a:lnTo>
+                  <a:pt x="1619" y="2590"/>
+                </a:lnTo>
+                <a:lnTo>
+                  <a:pt x="1670" y="2586"/>
+                </a:lnTo>
+                <a:lnTo>
+                  <a:pt x="1722" y="2577"/>
+                </a:lnTo>
+                <a:lnTo>
+                  <a:pt x="1773" y="2561"/>
+                </a:lnTo>
+                <a:lnTo>
+                  <a:pt x="1825" y="2538"/>
+                </a:lnTo>
+                <a:lnTo>
+                  <a:pt x="1874" y="2510"/>
+                </a:lnTo>
+                <a:lnTo>
+                  <a:pt x="1923" y="2474"/>
+                </a:lnTo>
+                <a:lnTo>
+                  <a:pt x="1971" y="2432"/>
+                </a:lnTo>
+                <a:lnTo>
+                  <a:pt x="2016" y="2384"/>
+                </a:lnTo>
+                <a:lnTo>
+                  <a:pt x="2049" y="2342"/>
+                </a:lnTo>
+                <a:lnTo>
+                  <a:pt x="2108" y="2266"/>
+                </a:lnTo>
+                <a:lnTo>
+                  <a:pt x="2162" y="2185"/>
+                </a:lnTo>
+                <a:lnTo>
+                  <a:pt x="2211" y="2102"/>
+                </a:lnTo>
+                <a:lnTo>
+                  <a:pt x="2255" y="2015"/>
+                </a:lnTo>
+                <a:lnTo>
+                  <a:pt x="2294" y="1927"/>
+                </a:lnTo>
+                <a:lnTo>
+                  <a:pt x="2330" y="1837"/>
+                </a:lnTo>
+                <a:lnTo>
+                  <a:pt x="2358" y="1745"/>
+                </a:lnTo>
+                <a:lnTo>
+                  <a:pt x="2383" y="1651"/>
+                </a:lnTo>
+                <a:lnTo>
+                  <a:pt x="2402" y="1556"/>
+                </a:lnTo>
+                <a:lnTo>
+                  <a:pt x="2415" y="1461"/>
+                </a:lnTo>
+                <a:lnTo>
+                  <a:pt x="2422" y="1364"/>
+                </a:lnTo>
+                <a:lnTo>
+                  <a:pt x="2424" y="1268"/>
+                </a:lnTo>
+                <a:lnTo>
+                  <a:pt x="2420" y="1173"/>
+                </a:lnTo>
+                <a:lnTo>
+                  <a:pt x="2411" y="1077"/>
+                </a:lnTo>
+                <a:lnTo>
+                  <a:pt x="2403" y="1021"/>
+                </a:lnTo>
+                <a:lnTo>
+                  <a:pt x="2392" y="964"/>
+                </a:lnTo>
+                <a:lnTo>
+                  <a:pt x="2379" y="908"/>
+                </a:lnTo>
+                <a:lnTo>
+                  <a:pt x="2365" y="853"/>
+                </a:lnTo>
+                <a:lnTo>
+                  <a:pt x="2347" y="799"/>
+                </a:lnTo>
+                <a:lnTo>
+                  <a:pt x="2327" y="745"/>
+                </a:lnTo>
+                <a:lnTo>
+                  <a:pt x="2306" y="693"/>
+                </a:lnTo>
+                <a:lnTo>
+                  <a:pt x="2281" y="642"/>
+                </a:lnTo>
+                <a:lnTo>
+                  <a:pt x="2255" y="592"/>
+                </a:lnTo>
+                <a:lnTo>
+                  <a:pt x="2225" y="545"/>
+                </a:lnTo>
+                <a:lnTo>
+                  <a:pt x="2195" y="499"/>
+                </a:lnTo>
+                <a:lnTo>
+                  <a:pt x="2161" y="456"/>
+                </a:lnTo>
+                <a:lnTo>
+                  <a:pt x="2123" y="416"/>
+                </a:lnTo>
+                <a:lnTo>
+                  <a:pt x="2085" y="378"/>
+                </a:lnTo>
+                <a:lnTo>
+                  <a:pt x="2043" y="343"/>
+                </a:lnTo>
+                <a:lnTo>
+                  <a:pt x="2000" y="312"/>
+                </a:lnTo>
+                <a:lnTo>
+                  <a:pt x="1953" y="283"/>
+                </a:lnTo>
+                <a:lnTo>
+                  <a:pt x="1904" y="259"/>
+                </a:lnTo>
+                <a:lnTo>
+                  <a:pt x="1852" y="238"/>
+                </a:lnTo>
+                <a:lnTo>
+                  <a:pt x="1798" y="222"/>
+                </a:lnTo>
+                <a:lnTo>
+                  <a:pt x="1740" y="210"/>
+                </a:lnTo>
+                <a:lnTo>
+                  <a:pt x="1680" y="203"/>
+                </a:lnTo>
+                <a:lnTo>
+                  <a:pt x="1619" y="200"/>
+                </a:lnTo>
+                <a:close/>
+                <a:moveTo>
+                  <a:pt x="1619" y="0"/>
+                </a:moveTo>
+                <a:lnTo>
+                  <a:pt x="1691" y="3"/>
+                </a:lnTo>
+                <a:lnTo>
+                  <a:pt x="1761" y="10"/>
+                </a:lnTo>
+                <a:lnTo>
+                  <a:pt x="1829" y="22"/>
+                </a:lnTo>
+                <a:lnTo>
+                  <a:pt x="1895" y="38"/>
+                </a:lnTo>
+                <a:lnTo>
+                  <a:pt x="1959" y="61"/>
+                </a:lnTo>
+                <a:lnTo>
+                  <a:pt x="2020" y="86"/>
+                </a:lnTo>
+                <a:lnTo>
+                  <a:pt x="2080" y="118"/>
+                </a:lnTo>
+                <a:lnTo>
+                  <a:pt x="2137" y="154"/>
+                </a:lnTo>
+                <a:lnTo>
+                  <a:pt x="2190" y="193"/>
+                </a:lnTo>
+                <a:lnTo>
+                  <a:pt x="2242" y="238"/>
+                </a:lnTo>
+                <a:lnTo>
+                  <a:pt x="2291" y="287"/>
+                </a:lnTo>
+                <a:lnTo>
+                  <a:pt x="2337" y="340"/>
+                </a:lnTo>
+                <a:lnTo>
+                  <a:pt x="2381" y="399"/>
+                </a:lnTo>
+                <a:lnTo>
+                  <a:pt x="2420" y="462"/>
+                </a:lnTo>
+                <a:lnTo>
+                  <a:pt x="2456" y="527"/>
+                </a:lnTo>
+                <a:lnTo>
+                  <a:pt x="2488" y="593"/>
+                </a:lnTo>
+                <a:lnTo>
+                  <a:pt x="2516" y="663"/>
+                </a:lnTo>
+                <a:lnTo>
+                  <a:pt x="2541" y="733"/>
+                </a:lnTo>
+                <a:lnTo>
+                  <a:pt x="2562" y="804"/>
+                </a:lnTo>
+                <a:lnTo>
+                  <a:pt x="2581" y="876"/>
+                </a:lnTo>
+                <a:lnTo>
+                  <a:pt x="2596" y="948"/>
+                </a:lnTo>
+                <a:lnTo>
+                  <a:pt x="2608" y="1021"/>
+                </a:lnTo>
+                <a:lnTo>
+                  <a:pt x="2618" y="1092"/>
+                </a:lnTo>
+                <a:lnTo>
+                  <a:pt x="2624" y="1163"/>
+                </a:lnTo>
+                <a:lnTo>
+                  <a:pt x="2628" y="1233"/>
+                </a:lnTo>
+                <a:lnTo>
+                  <a:pt x="2629" y="1300"/>
+                </a:lnTo>
+                <a:lnTo>
+                  <a:pt x="2629" y="1366"/>
+                </a:lnTo>
+                <a:lnTo>
+                  <a:pt x="2626" y="1430"/>
+                </a:lnTo>
+                <a:lnTo>
+                  <a:pt x="2621" y="1490"/>
+                </a:lnTo>
+                <a:lnTo>
+                  <a:pt x="2614" y="1546"/>
+                </a:lnTo>
+                <a:lnTo>
+                  <a:pt x="2605" y="1600"/>
+                </a:lnTo>
+                <a:lnTo>
+                  <a:pt x="2594" y="1649"/>
+                </a:lnTo>
+                <a:lnTo>
+                  <a:pt x="2579" y="1707"/>
+                </a:lnTo>
+                <a:lnTo>
+                  <a:pt x="2560" y="1770"/>
+                </a:lnTo>
+                <a:lnTo>
+                  <a:pt x="2539" y="1837"/>
+                </a:lnTo>
+                <a:lnTo>
+                  <a:pt x="2515" y="1905"/>
+                </a:lnTo>
+                <a:lnTo>
+                  <a:pt x="2487" y="1976"/>
+                </a:lnTo>
+                <a:lnTo>
+                  <a:pt x="2456" y="2048"/>
+                </a:lnTo>
+                <a:lnTo>
+                  <a:pt x="2422" y="2120"/>
+                </a:lnTo>
+                <a:lnTo>
+                  <a:pt x="2386" y="2193"/>
+                </a:lnTo>
+                <a:lnTo>
+                  <a:pt x="2346" y="2264"/>
+                </a:lnTo>
+                <a:lnTo>
+                  <a:pt x="2303" y="2334"/>
+                </a:lnTo>
+                <a:lnTo>
+                  <a:pt x="2257" y="2402"/>
+                </a:lnTo>
+                <a:lnTo>
+                  <a:pt x="2208" y="2467"/>
+                </a:lnTo>
+                <a:lnTo>
+                  <a:pt x="2285" y="2484"/>
+                </a:lnTo>
+                <a:lnTo>
+                  <a:pt x="2360" y="2504"/>
+                </a:lnTo>
+                <a:lnTo>
+                  <a:pt x="2433" y="2524"/>
+                </a:lnTo>
+                <a:lnTo>
+                  <a:pt x="2502" y="2545"/>
+                </a:lnTo>
+                <a:lnTo>
+                  <a:pt x="2568" y="2567"/>
+                </a:lnTo>
+                <a:lnTo>
+                  <a:pt x="2630" y="2589"/>
+                </a:lnTo>
+                <a:lnTo>
+                  <a:pt x="2691" y="2613"/>
+                </a:lnTo>
+                <a:lnTo>
+                  <a:pt x="2748" y="2635"/>
+                </a:lnTo>
+                <a:lnTo>
+                  <a:pt x="2801" y="2658"/>
+                </a:lnTo>
+                <a:lnTo>
+                  <a:pt x="2852" y="2680"/>
+                </a:lnTo>
+                <a:lnTo>
+                  <a:pt x="2898" y="2703"/>
+                </a:lnTo>
+                <a:lnTo>
+                  <a:pt x="2942" y="2723"/>
+                </a:lnTo>
+                <a:lnTo>
+                  <a:pt x="2981" y="2743"/>
+                </a:lnTo>
+                <a:lnTo>
+                  <a:pt x="3017" y="2762"/>
+                </a:lnTo>
+                <a:lnTo>
+                  <a:pt x="3048" y="2779"/>
+                </a:lnTo>
+                <a:lnTo>
+                  <a:pt x="3075" y="2794"/>
+                </a:lnTo>
+                <a:lnTo>
+                  <a:pt x="3098" y="2808"/>
+                </a:lnTo>
+                <a:lnTo>
+                  <a:pt x="3117" y="2819"/>
+                </a:lnTo>
+                <a:lnTo>
+                  <a:pt x="3131" y="2828"/>
+                </a:lnTo>
+                <a:lnTo>
+                  <a:pt x="3141" y="2834"/>
+                </a:lnTo>
+                <a:lnTo>
+                  <a:pt x="3147" y="2837"/>
+                </a:lnTo>
+                <a:lnTo>
+                  <a:pt x="3172" y="2858"/>
+                </a:lnTo>
+                <a:lnTo>
+                  <a:pt x="3194" y="2881"/>
+                </a:lnTo>
+                <a:lnTo>
+                  <a:pt x="3211" y="2908"/>
+                </a:lnTo>
+                <a:lnTo>
+                  <a:pt x="3225" y="2936"/>
+                </a:lnTo>
+                <a:lnTo>
+                  <a:pt x="3233" y="2967"/>
+                </a:lnTo>
+                <a:lnTo>
+                  <a:pt x="3236" y="2998"/>
+                </a:lnTo>
+                <a:lnTo>
+                  <a:pt x="3235" y="3030"/>
+                </a:lnTo>
+                <a:lnTo>
+                  <a:pt x="3228" y="3062"/>
+                </a:lnTo>
+                <a:lnTo>
+                  <a:pt x="3216" y="3092"/>
+                </a:lnTo>
+                <a:lnTo>
+                  <a:pt x="3199" y="3120"/>
+                </a:lnTo>
+                <a:lnTo>
+                  <a:pt x="3178" y="3144"/>
+                </a:lnTo>
+                <a:lnTo>
+                  <a:pt x="3155" y="3165"/>
+                </a:lnTo>
+                <a:lnTo>
+                  <a:pt x="3128" y="3182"/>
+                </a:lnTo>
+                <a:lnTo>
+                  <a:pt x="3099" y="3194"/>
+                </a:lnTo>
+                <a:lnTo>
+                  <a:pt x="3067" y="3201"/>
+                </a:lnTo>
+                <a:lnTo>
+                  <a:pt x="3034" y="3204"/>
+                </a:lnTo>
+                <a:lnTo>
+                  <a:pt x="202" y="3204"/>
+                </a:lnTo>
+                <a:lnTo>
+                  <a:pt x="170" y="3201"/>
+                </a:lnTo>
+                <a:lnTo>
+                  <a:pt x="138" y="3194"/>
+                </a:lnTo>
+                <a:lnTo>
+                  <a:pt x="108" y="3182"/>
+                </a:lnTo>
+                <a:lnTo>
+                  <a:pt x="81" y="3165"/>
+                </a:lnTo>
+                <a:lnTo>
+                  <a:pt x="58" y="3144"/>
+                </a:lnTo>
+                <a:lnTo>
+                  <a:pt x="37" y="3120"/>
+                </a:lnTo>
+                <a:lnTo>
+                  <a:pt x="21" y="3092"/>
+                </a:lnTo>
+                <a:lnTo>
+                  <a:pt x="8" y="3062"/>
+                </a:lnTo>
+                <a:lnTo>
+                  <a:pt x="2" y="3030"/>
+                </a:lnTo>
+                <a:lnTo>
+                  <a:pt x="0" y="2998"/>
+                </a:lnTo>
+                <a:lnTo>
+                  <a:pt x="3" y="2967"/>
+                </a:lnTo>
+                <a:lnTo>
+                  <a:pt x="12" y="2936"/>
+                </a:lnTo>
+                <a:lnTo>
+                  <a:pt x="25" y="2908"/>
+                </a:lnTo>
+                <a:lnTo>
+                  <a:pt x="42" y="2881"/>
+                </a:lnTo>
+                <a:lnTo>
+                  <a:pt x="64" y="2858"/>
+                </a:lnTo>
+                <a:lnTo>
+                  <a:pt x="91" y="2837"/>
+                </a:lnTo>
+                <a:lnTo>
+                  <a:pt x="96" y="2834"/>
+                </a:lnTo>
+                <a:lnTo>
+                  <a:pt x="105" y="2828"/>
+                </a:lnTo>
+                <a:lnTo>
+                  <a:pt x="120" y="2819"/>
+                </a:lnTo>
+                <a:lnTo>
+                  <a:pt x="139" y="2808"/>
+                </a:lnTo>
+                <a:lnTo>
+                  <a:pt x="162" y="2794"/>
+                </a:lnTo>
+                <a:lnTo>
+                  <a:pt x="189" y="2779"/>
+                </a:lnTo>
+                <a:lnTo>
+                  <a:pt x="220" y="2762"/>
+                </a:lnTo>
+                <a:lnTo>
+                  <a:pt x="256" y="2743"/>
+                </a:lnTo>
+                <a:lnTo>
+                  <a:pt x="295" y="2723"/>
+                </a:lnTo>
+                <a:lnTo>
+                  <a:pt x="338" y="2702"/>
+                </a:lnTo>
+                <a:lnTo>
+                  <a:pt x="384" y="2680"/>
+                </a:lnTo>
+                <a:lnTo>
+                  <a:pt x="435" y="2658"/>
+                </a:lnTo>
+                <a:lnTo>
+                  <a:pt x="488" y="2635"/>
+                </a:lnTo>
+                <a:lnTo>
+                  <a:pt x="545" y="2612"/>
+                </a:lnTo>
+                <a:lnTo>
+                  <a:pt x="606" y="2589"/>
+                </a:lnTo>
+                <a:lnTo>
+                  <a:pt x="669" y="2567"/>
+                </a:lnTo>
+                <a:lnTo>
+                  <a:pt x="736" y="2545"/>
+                </a:lnTo>
+                <a:lnTo>
+                  <a:pt x="805" y="2524"/>
+                </a:lnTo>
+                <a:lnTo>
+                  <a:pt x="876" y="2504"/>
+                </a:lnTo>
+                <a:lnTo>
+                  <a:pt x="951" y="2484"/>
+                </a:lnTo>
+                <a:lnTo>
+                  <a:pt x="1028" y="2467"/>
+                </a:lnTo>
+                <a:lnTo>
+                  <a:pt x="979" y="2402"/>
+                </a:lnTo>
+                <a:lnTo>
+                  <a:pt x="933" y="2334"/>
+                </a:lnTo>
+                <a:lnTo>
+                  <a:pt x="890" y="2264"/>
+                </a:lnTo>
+                <a:lnTo>
+                  <a:pt x="851" y="2193"/>
+                </a:lnTo>
+                <a:lnTo>
+                  <a:pt x="814" y="2120"/>
+                </a:lnTo>
+                <a:lnTo>
+                  <a:pt x="780" y="2048"/>
+                </a:lnTo>
+                <a:lnTo>
+                  <a:pt x="750" y="1976"/>
+                </a:lnTo>
+                <a:lnTo>
+                  <a:pt x="722" y="1905"/>
+                </a:lnTo>
+                <a:lnTo>
+                  <a:pt x="698" y="1837"/>
+                </a:lnTo>
+                <a:lnTo>
+                  <a:pt x="676" y="1770"/>
+                </a:lnTo>
+                <a:lnTo>
+                  <a:pt x="657" y="1707"/>
+                </a:lnTo>
+                <a:lnTo>
+                  <a:pt x="642" y="1649"/>
+                </a:lnTo>
+                <a:lnTo>
+                  <a:pt x="632" y="1600"/>
+                </a:lnTo>
+                <a:lnTo>
+                  <a:pt x="623" y="1546"/>
+                </a:lnTo>
+                <a:lnTo>
+                  <a:pt x="616" y="1490"/>
+                </a:lnTo>
+                <a:lnTo>
+                  <a:pt x="611" y="1430"/>
+                </a:lnTo>
+                <a:lnTo>
+                  <a:pt x="608" y="1366"/>
+                </a:lnTo>
+                <a:lnTo>
+                  <a:pt x="607" y="1300"/>
+                </a:lnTo>
+                <a:lnTo>
+                  <a:pt x="609" y="1233"/>
+                </a:lnTo>
+                <a:lnTo>
+                  <a:pt x="613" y="1163"/>
+                </a:lnTo>
+                <a:lnTo>
+                  <a:pt x="619" y="1092"/>
+                </a:lnTo>
+                <a:lnTo>
+                  <a:pt x="628" y="1021"/>
+                </a:lnTo>
+                <a:lnTo>
+                  <a:pt x="641" y="948"/>
+                </a:lnTo>
+                <a:lnTo>
+                  <a:pt x="656" y="876"/>
+                </a:lnTo>
+                <a:lnTo>
+                  <a:pt x="675" y="804"/>
+                </a:lnTo>
+                <a:lnTo>
+                  <a:pt x="695" y="733"/>
+                </a:lnTo>
+                <a:lnTo>
+                  <a:pt x="721" y="663"/>
+                </a:lnTo>
+                <a:lnTo>
+                  <a:pt x="749" y="594"/>
+                </a:lnTo>
+                <a:lnTo>
+                  <a:pt x="781" y="527"/>
+                </a:lnTo>
+                <a:lnTo>
+                  <a:pt x="817" y="462"/>
+                </a:lnTo>
+                <a:lnTo>
+                  <a:pt x="856" y="400"/>
+                </a:lnTo>
+                <a:lnTo>
+                  <a:pt x="899" y="341"/>
+                </a:lnTo>
+                <a:lnTo>
+                  <a:pt x="946" y="287"/>
+                </a:lnTo>
+                <a:lnTo>
+                  <a:pt x="994" y="238"/>
+                </a:lnTo>
+                <a:lnTo>
+                  <a:pt x="1046" y="193"/>
+                </a:lnTo>
+                <a:lnTo>
+                  <a:pt x="1100" y="154"/>
+                </a:lnTo>
+                <a:lnTo>
+                  <a:pt x="1157" y="118"/>
+                </a:lnTo>
+                <a:lnTo>
+                  <a:pt x="1216" y="86"/>
+                </a:lnTo>
+                <a:lnTo>
+                  <a:pt x="1278" y="61"/>
+                </a:lnTo>
+                <a:lnTo>
+                  <a:pt x="1341" y="38"/>
+                </a:lnTo>
+                <a:lnTo>
+                  <a:pt x="1407" y="22"/>
+                </a:lnTo>
+                <a:lnTo>
+                  <a:pt x="1475" y="10"/>
+                </a:lnTo>
+                <a:lnTo>
+                  <a:pt x="1545" y="3"/>
+                </a:lnTo>
+                <a:lnTo>
+                  <a:pt x="1619" y="0"/>
+                </a:lnTo>
+                <a:close/>
+              </a:path>
+            </a:pathLst>
+          </a:custGeom>
+          <a:solidFill>
+            <a:schemeClr val="bg1"/>
+          </a:solidFill>
+          <a:ln w="0">
+            <a:noFill/>
+            <a:prstDash val="solid"/>
+            <a:round/>
+            <a:headEnd/>
+            <a:tailEnd/>
+          </a:ln>
+        </p:spPr>
+        <p:txBody>
+          <a:bodyPr vert="horz" wrap="square" lIns="91440" tIns="45720" rIns="91440" bIns="45720" numCol="1" anchor="t" anchorCtr="0" compatLnSpc="1">
+            <a:prstTxWarp prst="textNoShape">
+              <a:avLst/>
+            </a:prstTxWarp>
+          </a:bodyPr>
+          <a:lstStyle/>
+          <a:p>
+            <a:endParaRPr lang="ko-KR" altLang="en-US" dirty="0">
+              <a:ea typeface="나눔고딕" panose="020D0604000000000000" pitchFamily="50" charset="-127"/>
+            </a:endParaRPr>
+          </a:p>
+        </p:txBody>
+      </p:sp>
+      <p:sp>
+        <p:nvSpPr>
+          <p:cNvPr id="21" name="TextBox 20">
+            <a:extLst>
+              <a:ext uri="{FF2B5EF4-FFF2-40B4-BE49-F238E27FC236}">
+                <a16:creationId xmlns:a16="http://schemas.microsoft.com/office/drawing/2014/main" xmlns="" id="{2EEB2575-62AB-4AC8-9182-E59A0946F66D}"/>
+              </a:ext>
+            </a:extLst>
+          </p:cNvPr>
+          <p:cNvSpPr txBox="1"/>
+          <p:nvPr/>
+        </p:nvSpPr>
+        <p:spPr>
+          <a:xfrm>
+            <a:off x="3507372" y="1339145"/>
+            <a:ext cx="4876536" cy="523220"/>
+          </a:xfrm>
+          <a:prstGeom prst="rect">
+            <a:avLst/>
+          </a:prstGeom>
+          <a:noFill/>
+        </p:spPr>
+        <p:txBody>
+          <a:bodyPr wrap="square" rtlCol="0">
+            <a:spAutoFit/>
+          </a:bodyPr>
+          <a:lstStyle/>
+          <a:p>
+            <a:r>
+              <a:rPr lang="ko-KR" altLang="en-US" sz="2800" b="1" dirty="0" smtClean="0">
+                <a:solidFill>
+                  <a:schemeClr val="tx1">
+                    <a:lumMod val="95000"/>
+                    <a:lumOff val="5000"/>
+                  </a:schemeClr>
+                </a:solidFill>
+                <a:latin typeface="+mn-ea"/>
+                <a:cs typeface="Times New Roman" panose="02020603050405020304" pitchFamily="18" charset="0"/>
+              </a:rPr>
+              <a:t>강현구 </a:t>
+            </a:r>
+            <a:r>
+              <a:rPr lang="en-US" altLang="ko-KR" sz="2800" b="1" dirty="0" smtClean="0">
+                <a:solidFill>
+                  <a:schemeClr val="tx1">
+                    <a:lumMod val="95000"/>
+                    <a:lumOff val="5000"/>
+                  </a:schemeClr>
+                </a:solidFill>
+                <a:latin typeface="+mn-ea"/>
+                <a:cs typeface="Times New Roman" panose="02020603050405020304" pitchFamily="18" charset="0"/>
+              </a:rPr>
+              <a:t>(</a:t>
+            </a:r>
+            <a:r>
+              <a:rPr lang="en-US" altLang="ko-KR" sz="2800" b="1" dirty="0" smtClean="0">
+                <a:solidFill>
+                  <a:schemeClr val="tx1">
+                    <a:lumMod val="95000"/>
+                    <a:lumOff val="5000"/>
+                  </a:schemeClr>
+                </a:solidFill>
+                <a:latin typeface="+mn-ea"/>
+                <a:cs typeface="Times New Roman" panose="02020603050405020304" pitchFamily="18" charset="0"/>
+              </a:rPr>
+              <a:t>Hyungu Kahng</a:t>
+            </a:r>
+            <a:r>
+              <a:rPr lang="en-US" altLang="ko-KR" sz="2800" b="1" dirty="0" smtClean="0">
+                <a:solidFill>
+                  <a:schemeClr val="tx1">
+                    <a:lumMod val="95000"/>
+                    <a:lumOff val="5000"/>
+                  </a:schemeClr>
+                </a:solidFill>
+                <a:latin typeface="+mn-ea"/>
+                <a:cs typeface="Times New Roman" panose="02020603050405020304" pitchFamily="18" charset="0"/>
+              </a:rPr>
+              <a:t>)</a:t>
+            </a:r>
+            <a:endParaRPr lang="ko-KR" altLang="en-US" dirty="0">
+              <a:latin typeface="+mn-ea"/>
+              <a:cs typeface="Times New Roman" panose="02020603050405020304" pitchFamily="18" charset="0"/>
+            </a:endParaRPr>
+          </a:p>
+        </p:txBody>
+      </p:sp>
+      <p:sp>
+        <p:nvSpPr>
+          <p:cNvPr id="22" name="TextBox 21">
+            <a:extLst>
+              <a:ext uri="{FF2B5EF4-FFF2-40B4-BE49-F238E27FC236}">
+                <a16:creationId xmlns:a16="http://schemas.microsoft.com/office/drawing/2014/main" xmlns="" id="{708A2C5D-3E46-4BBA-BB93-6C553B4448D9}"/>
+              </a:ext>
+            </a:extLst>
+          </p:cNvPr>
+          <p:cNvSpPr txBox="1"/>
+          <p:nvPr/>
+        </p:nvSpPr>
+        <p:spPr>
+          <a:xfrm>
+            <a:off x="341677" y="4085213"/>
+            <a:ext cx="3749677" cy="1754326"/>
+          </a:xfrm>
+          <a:prstGeom prst="rect">
+            <a:avLst/>
+          </a:prstGeom>
+          <a:noFill/>
+        </p:spPr>
+        <p:txBody>
+          <a:bodyPr wrap="square" rtlCol="0">
+            <a:spAutoFit/>
+          </a:bodyPr>
+          <a:lstStyle/>
+          <a:p>
+            <a:pPr>
+              <a:lnSpc>
+                <a:spcPct val="200000"/>
+              </a:lnSpc>
+            </a:pPr>
+            <a:r>
+              <a:rPr lang="ko-KR" altLang="en-US" b="1" dirty="0">
+                <a:latin typeface="+mj-ea"/>
+                <a:ea typeface="+mj-ea"/>
+                <a:cs typeface="Times New Roman" panose="02020603050405020304" pitchFamily="18" charset="0"/>
+              </a:rPr>
+              <a:t>연구분야</a:t>
+            </a:r>
+            <a:endParaRPr lang="en-US" altLang="ko-KR" b="1" dirty="0">
+              <a:latin typeface="+mj-ea"/>
+              <a:ea typeface="+mj-ea"/>
+              <a:cs typeface="Times New Roman" panose="02020603050405020304" pitchFamily="18" charset="0"/>
+            </a:endParaRPr>
+          </a:p>
+          <a:p>
+            <a:pPr marL="171450" indent="-171450" latinLnBrk="0">
+              <a:lnSpc>
+                <a:spcPct val="200000"/>
+              </a:lnSpc>
+              <a:buFont typeface="Arial" panose="020B0604020202020204" pitchFamily="34" charset="0"/>
+              <a:buChar char="•"/>
+            </a:pPr>
+            <a:r>
+              <a:rPr lang="en-US" altLang="ko-KR" sz="1200" dirty="0" smtClean="0">
+                <a:latin typeface="+mj-ea"/>
+                <a:ea typeface="+mj-ea"/>
+                <a:cs typeface="Times New Roman" panose="02020603050405020304" pitchFamily="18" charset="0"/>
+              </a:rPr>
+              <a:t>Deep Learning for Learning Algorithms</a:t>
+            </a:r>
+            <a:endParaRPr lang="en-US" altLang="ko-KR" sz="1200" dirty="0">
+              <a:latin typeface="+mj-ea"/>
+              <a:ea typeface="+mj-ea"/>
+              <a:cs typeface="Times New Roman" panose="02020603050405020304" pitchFamily="18" charset="0"/>
+            </a:endParaRPr>
+          </a:p>
+          <a:p>
+            <a:pPr marL="171450" indent="-171450" latinLnBrk="0">
+              <a:lnSpc>
+                <a:spcPct val="200000"/>
+              </a:lnSpc>
+              <a:buFont typeface="Arial" panose="020B0604020202020204" pitchFamily="34" charset="0"/>
+              <a:buChar char="•"/>
+            </a:pPr>
+            <a:r>
+              <a:rPr lang="en-US" altLang="ko-KR" sz="1200" dirty="0" smtClean="0">
+                <a:latin typeface="+mj-ea"/>
+                <a:ea typeface="+mj-ea"/>
+                <a:cs typeface="Times New Roman" panose="02020603050405020304" pitchFamily="18" charset="0"/>
+              </a:rPr>
+              <a:t>Graph Representation Learning</a:t>
+            </a:r>
+          </a:p>
+          <a:p>
+            <a:pPr marL="171450" indent="-171450" latinLnBrk="0">
+              <a:lnSpc>
+                <a:spcPct val="200000"/>
+              </a:lnSpc>
+              <a:buFont typeface="Arial" panose="020B0604020202020204" pitchFamily="34" charset="0"/>
+              <a:buChar char="•"/>
+            </a:pPr>
+            <a:r>
+              <a:rPr lang="en-US" altLang="ko-KR" sz="1200" dirty="0" smtClean="0">
+                <a:latin typeface="+mj-ea"/>
+                <a:ea typeface="+mj-ea"/>
+                <a:cs typeface="Times New Roman" panose="02020603050405020304" pitchFamily="18" charset="0"/>
+              </a:rPr>
+              <a:t>Machine Learning for </a:t>
+            </a:r>
+            <a:r>
+              <a:rPr lang="en-US" altLang="ko-KR" sz="1200" dirty="0" smtClean="0">
+                <a:latin typeface="+mj-ea"/>
+                <a:ea typeface="+mj-ea"/>
+                <a:cs typeface="Times New Roman" panose="02020603050405020304" pitchFamily="18" charset="0"/>
+              </a:rPr>
+              <a:t>Game AI</a:t>
+            </a:r>
+            <a:endParaRPr lang="en-US" altLang="ko-KR" sz="1200" dirty="0">
+              <a:latin typeface="+mj-ea"/>
+              <a:ea typeface="+mj-ea"/>
+              <a:cs typeface="Times New Roman" panose="02020603050405020304" pitchFamily="18" charset="0"/>
+            </a:endParaRPr>
+          </a:p>
+        </p:txBody>
+      </p:sp>
+      <p:sp>
+        <p:nvSpPr>
+          <p:cNvPr id="23" name="직사각형 22">
+            <a:extLst>
+              <a:ext uri="{FF2B5EF4-FFF2-40B4-BE49-F238E27FC236}">
+                <a16:creationId xmlns:a16="http://schemas.microsoft.com/office/drawing/2014/main" xmlns="" id="{108500E1-886B-4112-9942-CC6A1977ED50}"/>
+              </a:ext>
+            </a:extLst>
+          </p:cNvPr>
+          <p:cNvSpPr/>
+          <p:nvPr/>
+        </p:nvSpPr>
+        <p:spPr>
+          <a:xfrm>
+            <a:off x="3602445" y="1936347"/>
+            <a:ext cx="5106112" cy="1061829"/>
+          </a:xfrm>
+          <a:prstGeom prst="rect">
+            <a:avLst/>
+          </a:prstGeom>
+        </p:spPr>
+        <p:txBody>
+          <a:bodyPr wrap="square">
+            <a:spAutoFit/>
+          </a:bodyPr>
+          <a:lstStyle/>
+          <a:p>
+            <a:pPr marL="171450" indent="-171450">
+              <a:lnSpc>
+                <a:spcPct val="150000"/>
+              </a:lnSpc>
+              <a:buFont typeface="Arial" panose="020B0604020202020204" pitchFamily="34" charset="0"/>
+              <a:buChar char="•"/>
+            </a:pPr>
+            <a:r>
+              <a:rPr lang="ko-KR" altLang="en-US" sz="1400" dirty="0" err="1">
+                <a:latin typeface="+mn-ea"/>
+                <a:cs typeface="Times New Roman" panose="02020603050405020304" pitchFamily="18" charset="0"/>
+              </a:rPr>
+              <a:t>데이터마이닝</a:t>
+            </a:r>
+            <a:r>
+              <a:rPr lang="ko-KR" altLang="en-US" sz="1400" dirty="0">
+                <a:latin typeface="+mn-ea"/>
+                <a:cs typeface="Times New Roman" panose="02020603050405020304" pitchFamily="18" charset="0"/>
+              </a:rPr>
+              <a:t> 및 </a:t>
+            </a:r>
+            <a:r>
+              <a:rPr lang="ko-KR" altLang="en-US" sz="1400" dirty="0" err="1">
+                <a:latin typeface="+mn-ea"/>
+                <a:cs typeface="Times New Roman" panose="02020603050405020304" pitchFamily="18" charset="0"/>
+              </a:rPr>
+              <a:t>품질애널리틱스</a:t>
+            </a:r>
+            <a:r>
+              <a:rPr lang="ko-KR" altLang="en-US" sz="1400" dirty="0">
+                <a:latin typeface="+mn-ea"/>
+                <a:cs typeface="Times New Roman" panose="02020603050405020304" pitchFamily="18" charset="0"/>
+              </a:rPr>
+              <a:t> 연구실 </a:t>
+            </a:r>
+            <a:r>
+              <a:rPr lang="en-US" altLang="ko-KR" sz="1400" dirty="0">
+                <a:latin typeface="+mn-ea"/>
+                <a:cs typeface="Times New Roman" panose="02020603050405020304" pitchFamily="18" charset="0"/>
+              </a:rPr>
+              <a:t>(</a:t>
+            </a:r>
+            <a:r>
+              <a:rPr lang="ko-KR" altLang="en-US" sz="1400" dirty="0" err="1">
+                <a:latin typeface="+mn-ea"/>
+                <a:cs typeface="Times New Roman" panose="02020603050405020304" pitchFamily="18" charset="0"/>
+              </a:rPr>
+              <a:t>김성범</a:t>
+            </a:r>
+            <a:r>
+              <a:rPr lang="ko-KR" altLang="en-US" sz="1400" dirty="0">
+                <a:latin typeface="+mn-ea"/>
+                <a:cs typeface="Times New Roman" panose="02020603050405020304" pitchFamily="18" charset="0"/>
+              </a:rPr>
+              <a:t> 교수님</a:t>
+            </a:r>
+            <a:r>
+              <a:rPr lang="en-US" altLang="ko-KR" sz="1400" dirty="0">
+                <a:latin typeface="+mn-ea"/>
+                <a:cs typeface="Times New Roman" panose="02020603050405020304" pitchFamily="18" charset="0"/>
+              </a:rPr>
+              <a:t>)</a:t>
+            </a:r>
+          </a:p>
+          <a:p>
+            <a:pPr marL="171450" indent="-171450">
+              <a:lnSpc>
+                <a:spcPct val="150000"/>
+              </a:lnSpc>
+              <a:buFont typeface="Arial" panose="020B0604020202020204" pitchFamily="34" charset="0"/>
+              <a:buChar char="•"/>
+            </a:pPr>
+            <a:r>
+              <a:rPr lang="ko-KR" altLang="en-US" sz="1400" dirty="0">
+                <a:latin typeface="+mn-ea"/>
+                <a:cs typeface="Times New Roman" panose="02020603050405020304" pitchFamily="18" charset="0"/>
+              </a:rPr>
+              <a:t>고려대학교 산업경영공학과 박사과정 </a:t>
+            </a:r>
+            <a:r>
+              <a:rPr lang="en-US" altLang="ko-KR" sz="1400" dirty="0">
+                <a:latin typeface="+mn-ea"/>
+                <a:cs typeface="Times New Roman" panose="02020603050405020304" pitchFamily="18" charset="0"/>
+              </a:rPr>
+              <a:t>(</a:t>
+            </a:r>
+            <a:r>
+              <a:rPr lang="en-US" altLang="ko-KR" sz="1400" dirty="0" smtClean="0">
+                <a:latin typeface="+mn-ea"/>
+                <a:cs typeface="Times New Roman" panose="02020603050405020304" pitchFamily="18" charset="0"/>
+              </a:rPr>
+              <a:t>2015 </a:t>
+            </a:r>
+            <a:r>
+              <a:rPr lang="en-US" altLang="ko-KR" sz="1400" dirty="0">
+                <a:latin typeface="+mn-ea"/>
+                <a:cs typeface="Times New Roman" panose="02020603050405020304" pitchFamily="18" charset="0"/>
+              </a:rPr>
+              <a:t>~ Present)</a:t>
+            </a:r>
+          </a:p>
+          <a:p>
+            <a:pPr marL="171450" indent="-171450" latinLnBrk="0">
+              <a:lnSpc>
+                <a:spcPct val="150000"/>
+              </a:lnSpc>
+              <a:buFont typeface="Arial" panose="020B0604020202020204" pitchFamily="34" charset="0"/>
+              <a:buChar char="•"/>
+            </a:pPr>
+            <a:r>
+              <a:rPr lang="ko-KR" altLang="en-US" sz="1400" dirty="0">
+                <a:latin typeface="+mn-ea"/>
+                <a:cs typeface="Times New Roman" panose="02020603050405020304" pitchFamily="18" charset="0"/>
+              </a:rPr>
+              <a:t>고려대학교 산업경영공학과 학사 </a:t>
+            </a:r>
+            <a:r>
+              <a:rPr lang="en-US" altLang="ko-KR" sz="1400" dirty="0">
+                <a:latin typeface="+mn-ea"/>
+                <a:cs typeface="Times New Roman" panose="02020603050405020304" pitchFamily="18" charset="0"/>
+              </a:rPr>
+              <a:t>(</a:t>
+            </a:r>
+            <a:r>
+              <a:rPr lang="en-US" altLang="ko-KR" sz="1400" dirty="0" smtClean="0">
+                <a:latin typeface="+mn-ea"/>
+                <a:cs typeface="Times New Roman" panose="02020603050405020304" pitchFamily="18" charset="0"/>
+              </a:rPr>
+              <a:t>2011 </a:t>
+            </a:r>
+            <a:r>
+              <a:rPr lang="en-US" altLang="ko-KR" sz="1400" dirty="0">
+                <a:latin typeface="+mn-ea"/>
+                <a:cs typeface="Times New Roman" panose="02020603050405020304" pitchFamily="18" charset="0"/>
+              </a:rPr>
+              <a:t>~ </a:t>
+            </a:r>
+            <a:r>
+              <a:rPr lang="en-US" altLang="ko-KR" sz="1400" dirty="0" smtClean="0">
+                <a:latin typeface="+mn-ea"/>
+                <a:cs typeface="Times New Roman" panose="02020603050405020304" pitchFamily="18" charset="0"/>
+              </a:rPr>
+              <a:t>2015)</a:t>
+            </a:r>
+            <a:endParaRPr lang="ko-KR" altLang="ko-KR" sz="1400" dirty="0">
+              <a:latin typeface="+mn-ea"/>
+              <a:cs typeface="Times New Roman" panose="02020603050405020304" pitchFamily="18" charset="0"/>
+            </a:endParaRPr>
+          </a:p>
+        </p:txBody>
+      </p:sp>
+      <p:sp>
+        <p:nvSpPr>
+          <p:cNvPr id="27" name="Freeform 149">
+            <a:extLst>
+              <a:ext uri="{FF2B5EF4-FFF2-40B4-BE49-F238E27FC236}">
+                <a16:creationId xmlns:a16="http://schemas.microsoft.com/office/drawing/2014/main" xmlns="" id="{085E4C37-1304-4D0E-8F01-055C9906B1E4}"/>
+              </a:ext>
+            </a:extLst>
+          </p:cNvPr>
+          <p:cNvSpPr>
+            <a:spLocks noEditPoints="1"/>
+          </p:cNvSpPr>
+          <p:nvPr/>
+        </p:nvSpPr>
+        <p:spPr bwMode="auto">
+          <a:xfrm>
+            <a:off x="1525233" y="4239793"/>
+            <a:ext cx="497529" cy="430230"/>
+          </a:xfrm>
+          <a:custGeom>
+            <a:avLst/>
+            <a:gdLst>
+              <a:gd name="T0" fmla="*/ 3182 w 3308"/>
+              <a:gd name="T1" fmla="*/ 2301 h 2867"/>
+              <a:gd name="T2" fmla="*/ 3261 w 3308"/>
+              <a:gd name="T3" fmla="*/ 2449 h 2867"/>
+              <a:gd name="T4" fmla="*/ 3304 w 3308"/>
+              <a:gd name="T5" fmla="*/ 2613 h 2867"/>
+              <a:gd name="T6" fmla="*/ 3286 w 3308"/>
+              <a:gd name="T7" fmla="*/ 2756 h 2867"/>
+              <a:gd name="T8" fmla="*/ 3167 w 3308"/>
+              <a:gd name="T9" fmla="*/ 2857 h 2867"/>
+              <a:gd name="T10" fmla="*/ 3007 w 3308"/>
+              <a:gd name="T11" fmla="*/ 2844 h 2867"/>
+              <a:gd name="T12" fmla="*/ 2905 w 3308"/>
+              <a:gd name="T13" fmla="*/ 2727 h 2867"/>
+              <a:gd name="T14" fmla="*/ 2904 w 3308"/>
+              <a:gd name="T15" fmla="*/ 2583 h 2867"/>
+              <a:gd name="T16" fmla="*/ 2955 w 3308"/>
+              <a:gd name="T17" fmla="*/ 2415 h 2867"/>
+              <a:gd name="T18" fmla="*/ 3040 w 3308"/>
+              <a:gd name="T19" fmla="*/ 2281 h 2867"/>
+              <a:gd name="T20" fmla="*/ 724 w 3308"/>
+              <a:gd name="T21" fmla="*/ 1843 h 2867"/>
+              <a:gd name="T22" fmla="*/ 782 w 3308"/>
+              <a:gd name="T23" fmla="*/ 1939 h 2867"/>
+              <a:gd name="T24" fmla="*/ 956 w 3308"/>
+              <a:gd name="T25" fmla="*/ 2039 h 2867"/>
+              <a:gd name="T26" fmla="*/ 1247 w 3308"/>
+              <a:gd name="T27" fmla="*/ 2119 h 2867"/>
+              <a:gd name="T28" fmla="*/ 1655 w 3308"/>
+              <a:gd name="T29" fmla="*/ 2151 h 2867"/>
+              <a:gd name="T30" fmla="*/ 2062 w 3308"/>
+              <a:gd name="T31" fmla="*/ 2119 h 2867"/>
+              <a:gd name="T32" fmla="*/ 2352 w 3308"/>
+              <a:gd name="T33" fmla="*/ 2039 h 2867"/>
+              <a:gd name="T34" fmla="*/ 2526 w 3308"/>
+              <a:gd name="T35" fmla="*/ 1939 h 2867"/>
+              <a:gd name="T36" fmla="*/ 2584 w 3308"/>
+              <a:gd name="T37" fmla="*/ 1843 h 2867"/>
+              <a:gd name="T38" fmla="*/ 1620 w 3308"/>
+              <a:gd name="T39" fmla="*/ 1227 h 2867"/>
+              <a:gd name="T40" fmla="*/ 3147 w 3308"/>
+              <a:gd name="T41" fmla="*/ 1034 h 2867"/>
+              <a:gd name="T42" fmla="*/ 3205 w 3308"/>
+              <a:gd name="T43" fmla="*/ 1126 h 2867"/>
+              <a:gd name="T44" fmla="*/ 3167 w 3308"/>
+              <a:gd name="T45" fmla="*/ 2128 h 2867"/>
+              <a:gd name="T46" fmla="*/ 3057 w 3308"/>
+              <a:gd name="T47" fmla="*/ 2140 h 2867"/>
+              <a:gd name="T48" fmla="*/ 2998 w 3308"/>
+              <a:gd name="T49" fmla="*/ 2048 h 2867"/>
+              <a:gd name="T50" fmla="*/ 3037 w 3308"/>
+              <a:gd name="T51" fmla="*/ 1047 h 2867"/>
+              <a:gd name="T52" fmla="*/ 1631 w 3308"/>
+              <a:gd name="T53" fmla="*/ 207 h 2867"/>
+              <a:gd name="T54" fmla="*/ 217 w 3308"/>
+              <a:gd name="T55" fmla="*/ 569 h 2867"/>
+              <a:gd name="T56" fmla="*/ 229 w 3308"/>
+              <a:gd name="T57" fmla="*/ 677 h 2867"/>
+              <a:gd name="T58" fmla="*/ 1655 w 3308"/>
+              <a:gd name="T59" fmla="*/ 1023 h 2867"/>
+              <a:gd name="T60" fmla="*/ 3079 w 3308"/>
+              <a:gd name="T61" fmla="*/ 677 h 2867"/>
+              <a:gd name="T62" fmla="*/ 3091 w 3308"/>
+              <a:gd name="T63" fmla="*/ 569 h 2867"/>
+              <a:gd name="T64" fmla="*/ 1677 w 3308"/>
+              <a:gd name="T65" fmla="*/ 207 h 2867"/>
+              <a:gd name="T66" fmla="*/ 1723 w 3308"/>
+              <a:gd name="T67" fmla="*/ 8 h 2867"/>
+              <a:gd name="T68" fmla="*/ 3213 w 3308"/>
+              <a:gd name="T69" fmla="*/ 393 h 2867"/>
+              <a:gd name="T70" fmla="*/ 3306 w 3308"/>
+              <a:gd name="T71" fmla="*/ 571 h 2867"/>
+              <a:gd name="T72" fmla="*/ 3264 w 3308"/>
+              <a:gd name="T73" fmla="*/ 772 h 2867"/>
+              <a:gd name="T74" fmla="*/ 3109 w 3308"/>
+              <a:gd name="T75" fmla="*/ 901 h 2867"/>
+              <a:gd name="T76" fmla="*/ 2785 w 3308"/>
+              <a:gd name="T77" fmla="*/ 1910 h 2867"/>
+              <a:gd name="T78" fmla="*/ 2706 w 3308"/>
+              <a:gd name="T79" fmla="*/ 2067 h 2867"/>
+              <a:gd name="T80" fmla="*/ 2531 w 3308"/>
+              <a:gd name="T81" fmla="*/ 2201 h 2867"/>
+              <a:gd name="T82" fmla="*/ 2249 w 3308"/>
+              <a:gd name="T83" fmla="*/ 2299 h 2867"/>
+              <a:gd name="T84" fmla="*/ 1849 w 3308"/>
+              <a:gd name="T85" fmla="*/ 2350 h 2867"/>
+              <a:gd name="T86" fmla="*/ 1369 w 3308"/>
+              <a:gd name="T87" fmla="*/ 2343 h 2867"/>
+              <a:gd name="T88" fmla="*/ 994 w 3308"/>
+              <a:gd name="T89" fmla="*/ 2283 h 2867"/>
+              <a:gd name="T90" fmla="*/ 734 w 3308"/>
+              <a:gd name="T91" fmla="*/ 2177 h 2867"/>
+              <a:gd name="T92" fmla="*/ 579 w 3308"/>
+              <a:gd name="T93" fmla="*/ 2038 h 2867"/>
+              <a:gd name="T94" fmla="*/ 518 w 3308"/>
+              <a:gd name="T95" fmla="*/ 1877 h 2867"/>
+              <a:gd name="T96" fmla="*/ 161 w 3308"/>
+              <a:gd name="T97" fmla="*/ 884 h 2867"/>
+              <a:gd name="T98" fmla="*/ 25 w 3308"/>
+              <a:gd name="T99" fmla="*/ 736 h 2867"/>
+              <a:gd name="T100" fmla="*/ 11 w 3308"/>
+              <a:gd name="T101" fmla="*/ 531 h 2867"/>
+              <a:gd name="T102" fmla="*/ 126 w 3308"/>
+              <a:gd name="T103" fmla="*/ 367 h 2867"/>
+              <a:gd name="T104" fmla="*/ 1620 w 3308"/>
+              <a:gd name="T105" fmla="*/ 2 h 2867"/>
+            </a:gdLst>
+            <a:ahLst/>
+            <a:cxnLst>
+              <a:cxn ang="0">
+                <a:pos x="T0" y="T1"/>
+              </a:cxn>
+              <a:cxn ang="0">
+                <a:pos x="T2" y="T3"/>
+              </a:cxn>
+              <a:cxn ang="0">
+                <a:pos x="T4" y="T5"/>
+              </a:cxn>
+              <a:cxn ang="0">
+                <a:pos x="T6" y="T7"/>
+              </a:cxn>
+              <a:cxn ang="0">
+                <a:pos x="T8" y="T9"/>
+              </a:cxn>
+              <a:cxn ang="0">
+                <a:pos x="T10" y="T11"/>
+              </a:cxn>
+              <a:cxn ang="0">
+                <a:pos x="T12" y="T13"/>
+              </a:cxn>
+              <a:cxn ang="0">
+                <a:pos x="T14" y="T15"/>
+              </a:cxn>
+              <a:cxn ang="0">
+                <a:pos x="T16" y="T17"/>
+              </a:cxn>
+              <a:cxn ang="0">
+                <a:pos x="T18" y="T19"/>
+              </a:cxn>
+              <a:cxn ang="0">
+                <a:pos x="T20" y="T21"/>
+              </a:cxn>
+              <a:cxn ang="0">
+                <a:pos x="T22" y="T23"/>
+              </a:cxn>
+              <a:cxn ang="0">
+                <a:pos x="T24" y="T25"/>
+              </a:cxn>
+              <a:cxn ang="0">
+                <a:pos x="T26" y="T27"/>
+              </a:cxn>
+              <a:cxn ang="0">
+                <a:pos x="T28" y="T29"/>
+              </a:cxn>
+              <a:cxn ang="0">
+                <a:pos x="T30" y="T31"/>
+              </a:cxn>
+              <a:cxn ang="0">
+                <a:pos x="T32" y="T33"/>
+              </a:cxn>
+              <a:cxn ang="0">
+                <a:pos x="T34" y="T35"/>
+              </a:cxn>
+              <a:cxn ang="0">
+                <a:pos x="T36" y="T37"/>
+              </a:cxn>
+              <a:cxn ang="0">
+                <a:pos x="T38" y="T39"/>
+              </a:cxn>
+              <a:cxn ang="0">
+                <a:pos x="T40" y="T41"/>
+              </a:cxn>
+              <a:cxn ang="0">
+                <a:pos x="T42" y="T43"/>
+              </a:cxn>
+              <a:cxn ang="0">
+                <a:pos x="T44" y="T45"/>
+              </a:cxn>
+              <a:cxn ang="0">
+                <a:pos x="T46" y="T47"/>
+              </a:cxn>
+              <a:cxn ang="0">
+                <a:pos x="T48" y="T49"/>
+              </a:cxn>
+              <a:cxn ang="0">
+                <a:pos x="T50" y="T51"/>
+              </a:cxn>
+              <a:cxn ang="0">
+                <a:pos x="T52" y="T53"/>
+              </a:cxn>
+              <a:cxn ang="0">
+                <a:pos x="T54" y="T55"/>
+              </a:cxn>
+              <a:cxn ang="0">
+                <a:pos x="T56" y="T57"/>
+              </a:cxn>
+              <a:cxn ang="0">
+                <a:pos x="T58" y="T59"/>
+              </a:cxn>
+              <a:cxn ang="0">
+                <a:pos x="T60" y="T61"/>
+              </a:cxn>
+              <a:cxn ang="0">
+                <a:pos x="T62" y="T63"/>
+              </a:cxn>
+              <a:cxn ang="0">
+                <a:pos x="T64" y="T65"/>
+              </a:cxn>
+              <a:cxn ang="0">
+                <a:pos x="T66" y="T67"/>
+              </a:cxn>
+              <a:cxn ang="0">
+                <a:pos x="T68" y="T69"/>
+              </a:cxn>
+              <a:cxn ang="0">
+                <a:pos x="T70" y="T71"/>
+              </a:cxn>
+              <a:cxn ang="0">
+                <a:pos x="T72" y="T73"/>
+              </a:cxn>
+              <a:cxn ang="0">
+                <a:pos x="T74" y="T75"/>
+              </a:cxn>
+              <a:cxn ang="0">
+                <a:pos x="T76" y="T77"/>
+              </a:cxn>
+              <a:cxn ang="0">
+                <a:pos x="T78" y="T79"/>
+              </a:cxn>
+              <a:cxn ang="0">
+                <a:pos x="T80" y="T81"/>
+              </a:cxn>
+              <a:cxn ang="0">
+                <a:pos x="T82" y="T83"/>
+              </a:cxn>
+              <a:cxn ang="0">
+                <a:pos x="T84" y="T85"/>
+              </a:cxn>
+              <a:cxn ang="0">
+                <a:pos x="T86" y="T87"/>
+              </a:cxn>
+              <a:cxn ang="0">
+                <a:pos x="T88" y="T89"/>
+              </a:cxn>
+              <a:cxn ang="0">
+                <a:pos x="T90" y="T91"/>
+              </a:cxn>
+              <a:cxn ang="0">
+                <a:pos x="T92" y="T93"/>
+              </a:cxn>
+              <a:cxn ang="0">
+                <a:pos x="T94" y="T95"/>
+              </a:cxn>
+              <a:cxn ang="0">
+                <a:pos x="T96" y="T97"/>
+              </a:cxn>
+              <a:cxn ang="0">
+                <a:pos x="T98" y="T99"/>
+              </a:cxn>
+              <a:cxn ang="0">
+                <a:pos x="T100" y="T101"/>
+              </a:cxn>
+              <a:cxn ang="0">
+                <a:pos x="T102" y="T103"/>
+              </a:cxn>
+              <a:cxn ang="0">
+                <a:pos x="T104" y="T105"/>
+              </a:cxn>
+            </a:cxnLst>
+            <a:rect l="0" t="0" r="r" b="b"/>
+            <a:pathLst>
+              <a:path w="3308" h="2867">
+                <a:moveTo>
+                  <a:pt x="3101" y="2253"/>
+                </a:moveTo>
+                <a:lnTo>
+                  <a:pt x="3123" y="2257"/>
+                </a:lnTo>
+                <a:lnTo>
+                  <a:pt x="3143" y="2266"/>
+                </a:lnTo>
+                <a:lnTo>
+                  <a:pt x="3163" y="2281"/>
+                </a:lnTo>
+                <a:lnTo>
+                  <a:pt x="3182" y="2301"/>
+                </a:lnTo>
+                <a:lnTo>
+                  <a:pt x="3200" y="2325"/>
+                </a:lnTo>
+                <a:lnTo>
+                  <a:pt x="3217" y="2353"/>
+                </a:lnTo>
+                <a:lnTo>
+                  <a:pt x="3233" y="2383"/>
+                </a:lnTo>
+                <a:lnTo>
+                  <a:pt x="3248" y="2415"/>
+                </a:lnTo>
+                <a:lnTo>
+                  <a:pt x="3261" y="2449"/>
+                </a:lnTo>
+                <a:lnTo>
+                  <a:pt x="3273" y="2483"/>
+                </a:lnTo>
+                <a:lnTo>
+                  <a:pt x="3284" y="2517"/>
+                </a:lnTo>
+                <a:lnTo>
+                  <a:pt x="3292" y="2550"/>
+                </a:lnTo>
+                <a:lnTo>
+                  <a:pt x="3299" y="2583"/>
+                </a:lnTo>
+                <a:lnTo>
+                  <a:pt x="3304" y="2613"/>
+                </a:lnTo>
+                <a:lnTo>
+                  <a:pt x="3307" y="2639"/>
+                </a:lnTo>
+                <a:lnTo>
+                  <a:pt x="3308" y="2662"/>
+                </a:lnTo>
+                <a:lnTo>
+                  <a:pt x="3306" y="2695"/>
+                </a:lnTo>
+                <a:lnTo>
+                  <a:pt x="3298" y="2727"/>
+                </a:lnTo>
+                <a:lnTo>
+                  <a:pt x="3286" y="2756"/>
+                </a:lnTo>
+                <a:lnTo>
+                  <a:pt x="3268" y="2783"/>
+                </a:lnTo>
+                <a:lnTo>
+                  <a:pt x="3248" y="2807"/>
+                </a:lnTo>
+                <a:lnTo>
+                  <a:pt x="3224" y="2828"/>
+                </a:lnTo>
+                <a:lnTo>
+                  <a:pt x="3196" y="2844"/>
+                </a:lnTo>
+                <a:lnTo>
+                  <a:pt x="3167" y="2857"/>
+                </a:lnTo>
+                <a:lnTo>
+                  <a:pt x="3135" y="2864"/>
+                </a:lnTo>
+                <a:lnTo>
+                  <a:pt x="3101" y="2867"/>
+                </a:lnTo>
+                <a:lnTo>
+                  <a:pt x="3068" y="2864"/>
+                </a:lnTo>
+                <a:lnTo>
+                  <a:pt x="3036" y="2857"/>
+                </a:lnTo>
+                <a:lnTo>
+                  <a:pt x="3007" y="2844"/>
+                </a:lnTo>
+                <a:lnTo>
+                  <a:pt x="2979" y="2828"/>
+                </a:lnTo>
+                <a:lnTo>
+                  <a:pt x="2955" y="2807"/>
+                </a:lnTo>
+                <a:lnTo>
+                  <a:pt x="2934" y="2783"/>
+                </a:lnTo>
+                <a:lnTo>
+                  <a:pt x="2918" y="2756"/>
+                </a:lnTo>
+                <a:lnTo>
+                  <a:pt x="2905" y="2727"/>
+                </a:lnTo>
+                <a:lnTo>
+                  <a:pt x="2897" y="2695"/>
+                </a:lnTo>
+                <a:lnTo>
+                  <a:pt x="2895" y="2662"/>
+                </a:lnTo>
+                <a:lnTo>
+                  <a:pt x="2896" y="2639"/>
+                </a:lnTo>
+                <a:lnTo>
+                  <a:pt x="2899" y="2613"/>
+                </a:lnTo>
+                <a:lnTo>
+                  <a:pt x="2904" y="2583"/>
+                </a:lnTo>
+                <a:lnTo>
+                  <a:pt x="2911" y="2550"/>
+                </a:lnTo>
+                <a:lnTo>
+                  <a:pt x="2919" y="2517"/>
+                </a:lnTo>
+                <a:lnTo>
+                  <a:pt x="2930" y="2483"/>
+                </a:lnTo>
+                <a:lnTo>
+                  <a:pt x="2942" y="2449"/>
+                </a:lnTo>
+                <a:lnTo>
+                  <a:pt x="2955" y="2415"/>
+                </a:lnTo>
+                <a:lnTo>
+                  <a:pt x="2970" y="2383"/>
+                </a:lnTo>
+                <a:lnTo>
+                  <a:pt x="2986" y="2353"/>
+                </a:lnTo>
+                <a:lnTo>
+                  <a:pt x="3003" y="2325"/>
+                </a:lnTo>
+                <a:lnTo>
+                  <a:pt x="3021" y="2301"/>
+                </a:lnTo>
+                <a:lnTo>
+                  <a:pt x="3040" y="2281"/>
+                </a:lnTo>
+                <a:lnTo>
+                  <a:pt x="3060" y="2266"/>
+                </a:lnTo>
+                <a:lnTo>
+                  <a:pt x="3080" y="2257"/>
+                </a:lnTo>
+                <a:lnTo>
+                  <a:pt x="3101" y="2253"/>
+                </a:lnTo>
+                <a:close/>
+                <a:moveTo>
+                  <a:pt x="724" y="1024"/>
+                </a:moveTo>
+                <a:lnTo>
+                  <a:pt x="724" y="1843"/>
+                </a:lnTo>
+                <a:lnTo>
+                  <a:pt x="726" y="1860"/>
+                </a:lnTo>
+                <a:lnTo>
+                  <a:pt x="733" y="1879"/>
+                </a:lnTo>
+                <a:lnTo>
+                  <a:pt x="745" y="1899"/>
+                </a:lnTo>
+                <a:lnTo>
+                  <a:pt x="762" y="1918"/>
+                </a:lnTo>
+                <a:lnTo>
+                  <a:pt x="782" y="1939"/>
+                </a:lnTo>
+                <a:lnTo>
+                  <a:pt x="807" y="1959"/>
+                </a:lnTo>
+                <a:lnTo>
+                  <a:pt x="838" y="1979"/>
+                </a:lnTo>
+                <a:lnTo>
+                  <a:pt x="873" y="2001"/>
+                </a:lnTo>
+                <a:lnTo>
+                  <a:pt x="912" y="2020"/>
+                </a:lnTo>
+                <a:lnTo>
+                  <a:pt x="956" y="2039"/>
+                </a:lnTo>
+                <a:lnTo>
+                  <a:pt x="1005" y="2057"/>
+                </a:lnTo>
+                <a:lnTo>
+                  <a:pt x="1059" y="2075"/>
+                </a:lnTo>
+                <a:lnTo>
+                  <a:pt x="1117" y="2090"/>
+                </a:lnTo>
+                <a:lnTo>
+                  <a:pt x="1180" y="2105"/>
+                </a:lnTo>
+                <a:lnTo>
+                  <a:pt x="1247" y="2119"/>
+                </a:lnTo>
+                <a:lnTo>
+                  <a:pt x="1320" y="2130"/>
+                </a:lnTo>
+                <a:lnTo>
+                  <a:pt x="1396" y="2138"/>
+                </a:lnTo>
+                <a:lnTo>
+                  <a:pt x="1477" y="2145"/>
+                </a:lnTo>
+                <a:lnTo>
+                  <a:pt x="1564" y="2149"/>
+                </a:lnTo>
+                <a:lnTo>
+                  <a:pt x="1655" y="2151"/>
+                </a:lnTo>
+                <a:lnTo>
+                  <a:pt x="1745" y="2149"/>
+                </a:lnTo>
+                <a:lnTo>
+                  <a:pt x="1831" y="2145"/>
+                </a:lnTo>
+                <a:lnTo>
+                  <a:pt x="1912" y="2138"/>
+                </a:lnTo>
+                <a:lnTo>
+                  <a:pt x="1990" y="2130"/>
+                </a:lnTo>
+                <a:lnTo>
+                  <a:pt x="2062" y="2119"/>
+                </a:lnTo>
+                <a:lnTo>
+                  <a:pt x="2129" y="2105"/>
+                </a:lnTo>
+                <a:lnTo>
+                  <a:pt x="2192" y="2090"/>
+                </a:lnTo>
+                <a:lnTo>
+                  <a:pt x="2250" y="2075"/>
+                </a:lnTo>
+                <a:lnTo>
+                  <a:pt x="2303" y="2057"/>
+                </a:lnTo>
+                <a:lnTo>
+                  <a:pt x="2352" y="2039"/>
+                </a:lnTo>
+                <a:lnTo>
+                  <a:pt x="2397" y="2020"/>
+                </a:lnTo>
+                <a:lnTo>
+                  <a:pt x="2435" y="2001"/>
+                </a:lnTo>
+                <a:lnTo>
+                  <a:pt x="2471" y="1979"/>
+                </a:lnTo>
+                <a:lnTo>
+                  <a:pt x="2501" y="1959"/>
+                </a:lnTo>
+                <a:lnTo>
+                  <a:pt x="2526" y="1939"/>
+                </a:lnTo>
+                <a:lnTo>
+                  <a:pt x="2547" y="1918"/>
+                </a:lnTo>
+                <a:lnTo>
+                  <a:pt x="2564" y="1899"/>
+                </a:lnTo>
+                <a:lnTo>
+                  <a:pt x="2575" y="1879"/>
+                </a:lnTo>
+                <a:lnTo>
+                  <a:pt x="2582" y="1860"/>
+                </a:lnTo>
+                <a:lnTo>
+                  <a:pt x="2584" y="1843"/>
+                </a:lnTo>
+                <a:lnTo>
+                  <a:pt x="2584" y="1024"/>
+                </a:lnTo>
+                <a:lnTo>
+                  <a:pt x="1724" y="1221"/>
+                </a:lnTo>
+                <a:lnTo>
+                  <a:pt x="1689" y="1227"/>
+                </a:lnTo>
+                <a:lnTo>
+                  <a:pt x="1655" y="1229"/>
+                </a:lnTo>
+                <a:lnTo>
+                  <a:pt x="1620" y="1227"/>
+                </a:lnTo>
+                <a:lnTo>
+                  <a:pt x="1585" y="1221"/>
+                </a:lnTo>
+                <a:lnTo>
+                  <a:pt x="724" y="1024"/>
+                </a:lnTo>
+                <a:close/>
+                <a:moveTo>
+                  <a:pt x="3101" y="1023"/>
+                </a:moveTo>
+                <a:lnTo>
+                  <a:pt x="3125" y="1026"/>
+                </a:lnTo>
+                <a:lnTo>
+                  <a:pt x="3147" y="1034"/>
+                </a:lnTo>
+                <a:lnTo>
+                  <a:pt x="3167" y="1047"/>
+                </a:lnTo>
+                <a:lnTo>
+                  <a:pt x="3182" y="1063"/>
+                </a:lnTo>
+                <a:lnTo>
+                  <a:pt x="3194" y="1081"/>
+                </a:lnTo>
+                <a:lnTo>
+                  <a:pt x="3202" y="1103"/>
+                </a:lnTo>
+                <a:lnTo>
+                  <a:pt x="3205" y="1126"/>
+                </a:lnTo>
+                <a:lnTo>
+                  <a:pt x="3205" y="2048"/>
+                </a:lnTo>
+                <a:lnTo>
+                  <a:pt x="3202" y="2071"/>
+                </a:lnTo>
+                <a:lnTo>
+                  <a:pt x="3194" y="2092"/>
+                </a:lnTo>
+                <a:lnTo>
+                  <a:pt x="3182" y="2112"/>
+                </a:lnTo>
+                <a:lnTo>
+                  <a:pt x="3167" y="2128"/>
+                </a:lnTo>
+                <a:lnTo>
+                  <a:pt x="3147" y="2140"/>
+                </a:lnTo>
+                <a:lnTo>
+                  <a:pt x="3125" y="2148"/>
+                </a:lnTo>
+                <a:lnTo>
+                  <a:pt x="3101" y="2151"/>
+                </a:lnTo>
+                <a:lnTo>
+                  <a:pt x="3078" y="2148"/>
+                </a:lnTo>
+                <a:lnTo>
+                  <a:pt x="3057" y="2140"/>
+                </a:lnTo>
+                <a:lnTo>
+                  <a:pt x="3037" y="2128"/>
+                </a:lnTo>
+                <a:lnTo>
+                  <a:pt x="3021" y="2112"/>
+                </a:lnTo>
+                <a:lnTo>
+                  <a:pt x="3009" y="2092"/>
+                </a:lnTo>
+                <a:lnTo>
+                  <a:pt x="3001" y="2071"/>
+                </a:lnTo>
+                <a:lnTo>
+                  <a:pt x="2998" y="2048"/>
+                </a:lnTo>
+                <a:lnTo>
+                  <a:pt x="2998" y="1126"/>
+                </a:lnTo>
+                <a:lnTo>
+                  <a:pt x="3001" y="1103"/>
+                </a:lnTo>
+                <a:lnTo>
+                  <a:pt x="3009" y="1081"/>
+                </a:lnTo>
+                <a:lnTo>
+                  <a:pt x="3021" y="1063"/>
+                </a:lnTo>
+                <a:lnTo>
+                  <a:pt x="3037" y="1047"/>
+                </a:lnTo>
+                <a:lnTo>
+                  <a:pt x="3057" y="1034"/>
+                </a:lnTo>
+                <a:lnTo>
+                  <a:pt x="3078" y="1026"/>
+                </a:lnTo>
+                <a:lnTo>
+                  <a:pt x="3101" y="1023"/>
+                </a:lnTo>
+                <a:close/>
+                <a:moveTo>
+                  <a:pt x="1655" y="204"/>
+                </a:moveTo>
+                <a:lnTo>
+                  <a:pt x="1631" y="207"/>
+                </a:lnTo>
+                <a:lnTo>
+                  <a:pt x="287" y="514"/>
+                </a:lnTo>
+                <a:lnTo>
+                  <a:pt x="265" y="522"/>
+                </a:lnTo>
+                <a:lnTo>
+                  <a:pt x="245" y="534"/>
+                </a:lnTo>
+                <a:lnTo>
+                  <a:pt x="229" y="550"/>
+                </a:lnTo>
+                <a:lnTo>
+                  <a:pt x="217" y="569"/>
+                </a:lnTo>
+                <a:lnTo>
+                  <a:pt x="210" y="591"/>
+                </a:lnTo>
+                <a:lnTo>
+                  <a:pt x="207" y="614"/>
+                </a:lnTo>
+                <a:lnTo>
+                  <a:pt x="210" y="637"/>
+                </a:lnTo>
+                <a:lnTo>
+                  <a:pt x="217" y="659"/>
+                </a:lnTo>
+                <a:lnTo>
+                  <a:pt x="229" y="677"/>
+                </a:lnTo>
+                <a:lnTo>
+                  <a:pt x="245" y="694"/>
+                </a:lnTo>
+                <a:lnTo>
+                  <a:pt x="265" y="706"/>
+                </a:lnTo>
+                <a:lnTo>
+                  <a:pt x="287" y="714"/>
+                </a:lnTo>
+                <a:lnTo>
+                  <a:pt x="1631" y="1021"/>
+                </a:lnTo>
+                <a:lnTo>
+                  <a:pt x="1655" y="1023"/>
+                </a:lnTo>
+                <a:lnTo>
+                  <a:pt x="1677" y="1021"/>
+                </a:lnTo>
+                <a:lnTo>
+                  <a:pt x="3021" y="714"/>
+                </a:lnTo>
+                <a:lnTo>
+                  <a:pt x="3043" y="706"/>
+                </a:lnTo>
+                <a:lnTo>
+                  <a:pt x="3063" y="694"/>
+                </a:lnTo>
+                <a:lnTo>
+                  <a:pt x="3079" y="677"/>
+                </a:lnTo>
+                <a:lnTo>
+                  <a:pt x="3091" y="659"/>
+                </a:lnTo>
+                <a:lnTo>
+                  <a:pt x="3099" y="637"/>
+                </a:lnTo>
+                <a:lnTo>
+                  <a:pt x="3101" y="614"/>
+                </a:lnTo>
+                <a:lnTo>
+                  <a:pt x="3099" y="591"/>
+                </a:lnTo>
+                <a:lnTo>
+                  <a:pt x="3091" y="569"/>
+                </a:lnTo>
+                <a:lnTo>
+                  <a:pt x="3079" y="550"/>
+                </a:lnTo>
+                <a:lnTo>
+                  <a:pt x="3063" y="534"/>
+                </a:lnTo>
+                <a:lnTo>
+                  <a:pt x="3043" y="522"/>
+                </a:lnTo>
+                <a:lnTo>
+                  <a:pt x="3021" y="514"/>
+                </a:lnTo>
+                <a:lnTo>
+                  <a:pt x="1677" y="207"/>
+                </a:lnTo>
+                <a:lnTo>
+                  <a:pt x="1655" y="204"/>
+                </a:lnTo>
+                <a:close/>
+                <a:moveTo>
+                  <a:pt x="1655" y="0"/>
+                </a:moveTo>
+                <a:lnTo>
+                  <a:pt x="1655" y="0"/>
+                </a:lnTo>
+                <a:lnTo>
+                  <a:pt x="1688" y="2"/>
+                </a:lnTo>
+                <a:lnTo>
+                  <a:pt x="1723" y="8"/>
+                </a:lnTo>
+                <a:lnTo>
+                  <a:pt x="3068" y="314"/>
+                </a:lnTo>
+                <a:lnTo>
+                  <a:pt x="3109" y="327"/>
+                </a:lnTo>
+                <a:lnTo>
+                  <a:pt x="3147" y="345"/>
+                </a:lnTo>
+                <a:lnTo>
+                  <a:pt x="3182" y="367"/>
+                </a:lnTo>
+                <a:lnTo>
+                  <a:pt x="3213" y="393"/>
+                </a:lnTo>
+                <a:lnTo>
+                  <a:pt x="3241" y="422"/>
+                </a:lnTo>
+                <a:lnTo>
+                  <a:pt x="3264" y="456"/>
+                </a:lnTo>
+                <a:lnTo>
+                  <a:pt x="3284" y="492"/>
+                </a:lnTo>
+                <a:lnTo>
+                  <a:pt x="3297" y="531"/>
+                </a:lnTo>
+                <a:lnTo>
+                  <a:pt x="3306" y="571"/>
+                </a:lnTo>
+                <a:lnTo>
+                  <a:pt x="3308" y="614"/>
+                </a:lnTo>
+                <a:lnTo>
+                  <a:pt x="3306" y="657"/>
+                </a:lnTo>
+                <a:lnTo>
+                  <a:pt x="3297" y="698"/>
+                </a:lnTo>
+                <a:lnTo>
+                  <a:pt x="3284" y="736"/>
+                </a:lnTo>
+                <a:lnTo>
+                  <a:pt x="3264" y="772"/>
+                </a:lnTo>
+                <a:lnTo>
+                  <a:pt x="3241" y="805"/>
+                </a:lnTo>
+                <a:lnTo>
+                  <a:pt x="3213" y="836"/>
+                </a:lnTo>
+                <a:lnTo>
+                  <a:pt x="3182" y="862"/>
+                </a:lnTo>
+                <a:lnTo>
+                  <a:pt x="3147" y="884"/>
+                </a:lnTo>
+                <a:lnTo>
+                  <a:pt x="3109" y="901"/>
+                </a:lnTo>
+                <a:lnTo>
+                  <a:pt x="3068" y="913"/>
+                </a:lnTo>
+                <a:lnTo>
+                  <a:pt x="2792" y="977"/>
+                </a:lnTo>
+                <a:lnTo>
+                  <a:pt x="2792" y="1843"/>
+                </a:lnTo>
+                <a:lnTo>
+                  <a:pt x="2790" y="1877"/>
+                </a:lnTo>
+                <a:lnTo>
+                  <a:pt x="2785" y="1910"/>
+                </a:lnTo>
+                <a:lnTo>
+                  <a:pt x="2777" y="1943"/>
+                </a:lnTo>
+                <a:lnTo>
+                  <a:pt x="2764" y="1975"/>
+                </a:lnTo>
+                <a:lnTo>
+                  <a:pt x="2749" y="2007"/>
+                </a:lnTo>
+                <a:lnTo>
+                  <a:pt x="2730" y="2038"/>
+                </a:lnTo>
+                <a:lnTo>
+                  <a:pt x="2706" y="2067"/>
+                </a:lnTo>
+                <a:lnTo>
+                  <a:pt x="2680" y="2096"/>
+                </a:lnTo>
+                <a:lnTo>
+                  <a:pt x="2648" y="2125"/>
+                </a:lnTo>
+                <a:lnTo>
+                  <a:pt x="2614" y="2151"/>
+                </a:lnTo>
+                <a:lnTo>
+                  <a:pt x="2575" y="2177"/>
+                </a:lnTo>
+                <a:lnTo>
+                  <a:pt x="2531" y="2201"/>
+                </a:lnTo>
+                <a:lnTo>
+                  <a:pt x="2484" y="2223"/>
+                </a:lnTo>
+                <a:lnTo>
+                  <a:pt x="2432" y="2245"/>
+                </a:lnTo>
+                <a:lnTo>
+                  <a:pt x="2375" y="2265"/>
+                </a:lnTo>
+                <a:lnTo>
+                  <a:pt x="2315" y="2283"/>
+                </a:lnTo>
+                <a:lnTo>
+                  <a:pt x="2249" y="2299"/>
+                </a:lnTo>
+                <a:lnTo>
+                  <a:pt x="2179" y="2313"/>
+                </a:lnTo>
+                <a:lnTo>
+                  <a:pt x="2105" y="2325"/>
+                </a:lnTo>
+                <a:lnTo>
+                  <a:pt x="2024" y="2335"/>
+                </a:lnTo>
+                <a:lnTo>
+                  <a:pt x="1940" y="2343"/>
+                </a:lnTo>
+                <a:lnTo>
+                  <a:pt x="1849" y="2350"/>
+                </a:lnTo>
+                <a:lnTo>
+                  <a:pt x="1754" y="2354"/>
+                </a:lnTo>
+                <a:lnTo>
+                  <a:pt x="1655" y="2355"/>
+                </a:lnTo>
+                <a:lnTo>
+                  <a:pt x="1554" y="2354"/>
+                </a:lnTo>
+                <a:lnTo>
+                  <a:pt x="1459" y="2350"/>
+                </a:lnTo>
+                <a:lnTo>
+                  <a:pt x="1369" y="2343"/>
+                </a:lnTo>
+                <a:lnTo>
+                  <a:pt x="1284" y="2335"/>
+                </a:lnTo>
+                <a:lnTo>
+                  <a:pt x="1205" y="2325"/>
+                </a:lnTo>
+                <a:lnTo>
+                  <a:pt x="1129" y="2313"/>
+                </a:lnTo>
+                <a:lnTo>
+                  <a:pt x="1059" y="2299"/>
+                </a:lnTo>
+                <a:lnTo>
+                  <a:pt x="994" y="2283"/>
+                </a:lnTo>
+                <a:lnTo>
+                  <a:pt x="933" y="2265"/>
+                </a:lnTo>
+                <a:lnTo>
+                  <a:pt x="877" y="2245"/>
+                </a:lnTo>
+                <a:lnTo>
+                  <a:pt x="825" y="2223"/>
+                </a:lnTo>
+                <a:lnTo>
+                  <a:pt x="777" y="2201"/>
+                </a:lnTo>
+                <a:lnTo>
+                  <a:pt x="734" y="2177"/>
+                </a:lnTo>
+                <a:lnTo>
+                  <a:pt x="694" y="2151"/>
+                </a:lnTo>
+                <a:lnTo>
+                  <a:pt x="660" y="2125"/>
+                </a:lnTo>
+                <a:lnTo>
+                  <a:pt x="629" y="2096"/>
+                </a:lnTo>
+                <a:lnTo>
+                  <a:pt x="602" y="2067"/>
+                </a:lnTo>
+                <a:lnTo>
+                  <a:pt x="579" y="2038"/>
+                </a:lnTo>
+                <a:lnTo>
+                  <a:pt x="560" y="2007"/>
+                </a:lnTo>
+                <a:lnTo>
+                  <a:pt x="544" y="1975"/>
+                </a:lnTo>
+                <a:lnTo>
+                  <a:pt x="533" y="1943"/>
+                </a:lnTo>
+                <a:lnTo>
+                  <a:pt x="523" y="1910"/>
+                </a:lnTo>
+                <a:lnTo>
+                  <a:pt x="518" y="1877"/>
+                </a:lnTo>
+                <a:lnTo>
+                  <a:pt x="517" y="1843"/>
+                </a:lnTo>
+                <a:lnTo>
+                  <a:pt x="517" y="977"/>
+                </a:lnTo>
+                <a:lnTo>
+                  <a:pt x="240" y="913"/>
+                </a:lnTo>
+                <a:lnTo>
+                  <a:pt x="200" y="901"/>
+                </a:lnTo>
+                <a:lnTo>
+                  <a:pt x="161" y="884"/>
+                </a:lnTo>
+                <a:lnTo>
+                  <a:pt x="126" y="862"/>
+                </a:lnTo>
+                <a:lnTo>
+                  <a:pt x="95" y="836"/>
+                </a:lnTo>
+                <a:lnTo>
+                  <a:pt x="67" y="805"/>
+                </a:lnTo>
+                <a:lnTo>
+                  <a:pt x="44" y="772"/>
+                </a:lnTo>
+                <a:lnTo>
+                  <a:pt x="25" y="736"/>
+                </a:lnTo>
+                <a:lnTo>
+                  <a:pt x="11" y="698"/>
+                </a:lnTo>
+                <a:lnTo>
+                  <a:pt x="3" y="657"/>
+                </a:lnTo>
+                <a:lnTo>
+                  <a:pt x="0" y="614"/>
+                </a:lnTo>
+                <a:lnTo>
+                  <a:pt x="3" y="571"/>
+                </a:lnTo>
+                <a:lnTo>
+                  <a:pt x="11" y="531"/>
+                </a:lnTo>
+                <a:lnTo>
+                  <a:pt x="25" y="492"/>
+                </a:lnTo>
+                <a:lnTo>
+                  <a:pt x="44" y="456"/>
+                </a:lnTo>
+                <a:lnTo>
+                  <a:pt x="67" y="422"/>
+                </a:lnTo>
+                <a:lnTo>
+                  <a:pt x="95" y="393"/>
+                </a:lnTo>
+                <a:lnTo>
+                  <a:pt x="126" y="367"/>
+                </a:lnTo>
+                <a:lnTo>
+                  <a:pt x="161" y="345"/>
+                </a:lnTo>
+                <a:lnTo>
+                  <a:pt x="200" y="327"/>
+                </a:lnTo>
+                <a:lnTo>
+                  <a:pt x="240" y="314"/>
+                </a:lnTo>
+                <a:lnTo>
+                  <a:pt x="1584" y="8"/>
+                </a:lnTo>
+                <a:lnTo>
+                  <a:pt x="1620" y="2"/>
+                </a:lnTo>
+                <a:lnTo>
+                  <a:pt x="1655" y="0"/>
+                </a:lnTo>
+                <a:close/>
+              </a:path>
+            </a:pathLst>
+          </a:custGeom>
+          <a:solidFill>
+            <a:srgbClr val="0070C0"/>
+          </a:solidFill>
+          <a:ln w="0">
+            <a:solidFill>
+              <a:srgbClr val="0070C0"/>
+            </a:solidFill>
+            <a:prstDash val="solid"/>
+            <a:round/>
+            <a:headEnd/>
+            <a:tailEnd/>
+          </a:ln>
+        </p:spPr>
+        <p:txBody>
+          <a:bodyPr vert="horz" wrap="square" lIns="91440" tIns="45720" rIns="91440" bIns="45720" numCol="1" anchor="t" anchorCtr="0" compatLnSpc="1">
+            <a:prstTxWarp prst="textNoShape">
+              <a:avLst/>
+            </a:prstTxWarp>
+          </a:bodyPr>
+          <a:lstStyle/>
+          <a:p>
+            <a:pPr>
+              <a:lnSpc>
+                <a:spcPct val="200000"/>
+              </a:lnSpc>
+            </a:pPr>
+            <a:endParaRPr lang="ko-KR" altLang="en-US" sz="2400" dirty="0">
+              <a:ea typeface="나눔고딕" panose="020D0604000000000000" pitchFamily="50" charset="-127"/>
+            </a:endParaRPr>
+          </a:p>
+        </p:txBody>
+      </p:sp>
+      <p:pic>
+        <p:nvPicPr>
+          <p:cNvPr id="17" name="Picture 16"/>
+          <p:cNvPicPr>
+            <a:picLocks noChangeAspect="1"/>
+          </p:cNvPicPr>
+          <p:nvPr/>
+        </p:nvPicPr>
+        <p:blipFill rotWithShape="1">
+          <a:blip r:embed="rId2">
+            <a:extLst>
+              <a:ext uri="{28A0092B-C50C-407E-A947-70E740481C1C}">
+                <a14:useLocalDpi xmlns:a14="http://schemas.microsoft.com/office/drawing/2010/main" val="0"/>
+              </a:ext>
+            </a:extLst>
+          </a:blip>
+          <a:srcRect t="5389"/>
+          <a:stretch/>
+        </p:blipFill>
+        <p:spPr>
+          <a:xfrm>
+            <a:off x="857247" y="1339145"/>
+            <a:ext cx="1809576" cy="2422894"/>
+          </a:xfrm>
+          <a:prstGeom prst="rect">
+            <a:avLst/>
+          </a:prstGeom>
+        </p:spPr>
+      </p:pic>
+      <p:sp>
+        <p:nvSpPr>
+          <p:cNvPr id="24" name="TextBox 23">
+            <a:extLst>
+              <a:ext uri="{FF2B5EF4-FFF2-40B4-BE49-F238E27FC236}">
+                <a16:creationId xmlns:a16="http://schemas.microsoft.com/office/drawing/2014/main" xmlns="" id="{6C45E61D-55CB-40C1-B577-C99D4F1E0761}"/>
+              </a:ext>
+            </a:extLst>
+          </p:cNvPr>
+          <p:cNvSpPr txBox="1"/>
+          <p:nvPr/>
+        </p:nvSpPr>
+        <p:spPr>
+          <a:xfrm>
+            <a:off x="3569805" y="3364969"/>
+            <a:ext cx="4846198" cy="1754326"/>
+          </a:xfrm>
+          <a:prstGeom prst="rect">
+            <a:avLst/>
+          </a:prstGeom>
+          <a:noFill/>
+        </p:spPr>
+        <p:txBody>
+          <a:bodyPr wrap="none" rtlCol="0">
+            <a:spAutoFit/>
+          </a:bodyPr>
+          <a:lstStyle/>
+          <a:p>
+            <a:pPr>
+              <a:lnSpc>
+                <a:spcPct val="200000"/>
+              </a:lnSpc>
+            </a:pPr>
+            <a:r>
+              <a:rPr lang="ko-KR" altLang="en-US" b="1" dirty="0" smtClean="0">
+                <a:latin typeface="+mj-ea"/>
+                <a:ea typeface="+mj-ea"/>
+                <a:cs typeface="Times New Roman" panose="02020603050405020304" pitchFamily="18" charset="0"/>
+              </a:rPr>
+              <a:t>연구활동</a:t>
+            </a:r>
+            <a:endParaRPr lang="en-US" altLang="ko-KR" b="1" dirty="0">
+              <a:latin typeface="+mj-ea"/>
+              <a:ea typeface="+mj-ea"/>
+              <a:cs typeface="Times New Roman" panose="02020603050405020304" pitchFamily="18" charset="0"/>
+            </a:endParaRPr>
+          </a:p>
+          <a:p>
+            <a:pPr marL="171450" indent="-171450" latinLnBrk="0">
+              <a:lnSpc>
+                <a:spcPct val="200000"/>
+              </a:lnSpc>
+              <a:buFont typeface="Arial" panose="020B0604020202020204" pitchFamily="34" charset="0"/>
+              <a:buChar char="•"/>
+            </a:pPr>
+            <a:r>
+              <a:rPr lang="ko-KR" altLang="en-US" sz="1200" dirty="0" smtClean="0">
+                <a:latin typeface="+mj-ea"/>
+                <a:ea typeface="+mj-ea"/>
+                <a:cs typeface="Times New Roman" panose="02020603050405020304" pitchFamily="18" charset="0"/>
+              </a:rPr>
+              <a:t>특허 </a:t>
+            </a:r>
+            <a:r>
+              <a:rPr lang="ko-KR" altLang="en-US" sz="1200" dirty="0">
+                <a:latin typeface="+mj-ea"/>
+                <a:ea typeface="+mj-ea"/>
+                <a:cs typeface="Times New Roman" panose="02020603050405020304" pitchFamily="18" charset="0"/>
+              </a:rPr>
+              <a:t>출원 </a:t>
+            </a:r>
+            <a:r>
+              <a:rPr lang="en-US" altLang="ko-KR" sz="1200" dirty="0">
+                <a:latin typeface="+mj-ea"/>
+                <a:ea typeface="+mj-ea"/>
+                <a:cs typeface="Times New Roman" panose="02020603050405020304" pitchFamily="18" charset="0"/>
+              </a:rPr>
+              <a:t>1 </a:t>
+            </a:r>
+            <a:r>
+              <a:rPr lang="ko-KR" altLang="en-US" sz="1200" dirty="0">
+                <a:latin typeface="+mj-ea"/>
+                <a:ea typeface="+mj-ea"/>
+                <a:cs typeface="Times New Roman" panose="02020603050405020304" pitchFamily="18" charset="0"/>
+              </a:rPr>
+              <a:t>건 </a:t>
+            </a:r>
+            <a:r>
+              <a:rPr lang="en-US" altLang="ko-KR" sz="1200" dirty="0">
+                <a:latin typeface="+mj-ea"/>
+                <a:ea typeface="+mj-ea"/>
+                <a:cs typeface="Times New Roman" panose="02020603050405020304" pitchFamily="18" charset="0"/>
+              </a:rPr>
+              <a:t>(</a:t>
+            </a:r>
+            <a:r>
+              <a:rPr lang="ko-KR" altLang="en-US" sz="1200" dirty="0">
+                <a:latin typeface="+mj-ea"/>
+                <a:ea typeface="+mj-ea"/>
+                <a:cs typeface="Times New Roman" panose="02020603050405020304" pitchFamily="18" charset="0"/>
+              </a:rPr>
+              <a:t>미국</a:t>
+            </a:r>
+            <a:r>
+              <a:rPr lang="en-US" altLang="ko-KR" sz="1200" dirty="0" smtClean="0">
+                <a:latin typeface="+mj-ea"/>
+                <a:ea typeface="+mj-ea"/>
+                <a:cs typeface="Times New Roman" panose="02020603050405020304" pitchFamily="18" charset="0"/>
+              </a:rPr>
+              <a:t>,</a:t>
+            </a:r>
+            <a:r>
+              <a:rPr lang="ko-KR" altLang="en-US" sz="1200" dirty="0">
+                <a:latin typeface="+mj-ea"/>
+                <a:ea typeface="+mj-ea"/>
+                <a:cs typeface="Times New Roman" panose="02020603050405020304" pitchFamily="18" charset="0"/>
+              </a:rPr>
+              <a:t> </a:t>
+            </a:r>
+            <a:r>
+              <a:rPr lang="ko-KR" altLang="en-US" sz="1200" dirty="0" smtClean="0">
+                <a:latin typeface="+mj-ea"/>
+                <a:ea typeface="+mj-ea"/>
+                <a:cs typeface="Times New Roman" panose="02020603050405020304" pitchFamily="18" charset="0"/>
+              </a:rPr>
+              <a:t>유럽</a:t>
+            </a:r>
+            <a:r>
+              <a:rPr lang="en-US" altLang="ko-KR" sz="1200" dirty="0" smtClean="0">
+                <a:latin typeface="+mj-ea"/>
+                <a:ea typeface="+mj-ea"/>
+                <a:cs typeface="Times New Roman" panose="02020603050405020304" pitchFamily="18" charset="0"/>
+              </a:rPr>
+              <a:t>, </a:t>
+            </a:r>
+            <a:r>
+              <a:rPr lang="ko-KR" altLang="en-US" sz="1200" dirty="0">
+                <a:latin typeface="+mj-ea"/>
+                <a:ea typeface="+mj-ea"/>
+                <a:cs typeface="Times New Roman" panose="02020603050405020304" pitchFamily="18" charset="0"/>
+              </a:rPr>
+              <a:t>한국 출원</a:t>
+            </a:r>
+            <a:r>
+              <a:rPr lang="en-US" altLang="ko-KR" sz="1200" dirty="0">
+                <a:latin typeface="+mj-ea"/>
+                <a:ea typeface="+mj-ea"/>
+                <a:cs typeface="Times New Roman" panose="02020603050405020304" pitchFamily="18" charset="0"/>
+              </a:rPr>
+              <a:t>), </a:t>
+            </a:r>
+            <a:r>
+              <a:rPr lang="ko-KR" altLang="en-US" sz="1200" dirty="0">
+                <a:latin typeface="+mj-ea"/>
+                <a:ea typeface="+mj-ea"/>
+                <a:cs typeface="Times New Roman" panose="02020603050405020304" pitchFamily="18" charset="0"/>
+              </a:rPr>
+              <a:t>산학 연구 프로젝트 </a:t>
+            </a:r>
+            <a:r>
+              <a:rPr lang="en-US" altLang="ko-KR" sz="1200" dirty="0" smtClean="0">
+                <a:latin typeface="+mj-ea"/>
+                <a:ea typeface="+mj-ea"/>
+                <a:cs typeface="Times New Roman" panose="02020603050405020304" pitchFamily="18" charset="0"/>
+              </a:rPr>
+              <a:t>12 </a:t>
+            </a:r>
+            <a:r>
+              <a:rPr lang="ko-KR" altLang="en-US" sz="1200" dirty="0">
+                <a:latin typeface="+mj-ea"/>
+                <a:ea typeface="+mj-ea"/>
+                <a:cs typeface="Times New Roman" panose="02020603050405020304" pitchFamily="18" charset="0"/>
+              </a:rPr>
+              <a:t>회</a:t>
+            </a:r>
+            <a:endParaRPr lang="en-US" altLang="ko-KR" sz="1200" dirty="0">
+              <a:latin typeface="+mj-ea"/>
+              <a:ea typeface="+mj-ea"/>
+              <a:cs typeface="Times New Roman" panose="02020603050405020304" pitchFamily="18" charset="0"/>
+            </a:endParaRPr>
+          </a:p>
+          <a:p>
+            <a:pPr marL="171450" indent="-171450" latinLnBrk="0">
+              <a:lnSpc>
+                <a:spcPct val="200000"/>
+              </a:lnSpc>
+              <a:buFont typeface="Arial" panose="020B0604020202020204" pitchFamily="34" charset="0"/>
+              <a:buChar char="•"/>
+            </a:pPr>
+            <a:r>
+              <a:rPr lang="ko-KR" altLang="en-US" sz="1200" dirty="0">
+                <a:latin typeface="+mj-ea"/>
+                <a:ea typeface="+mj-ea"/>
+                <a:cs typeface="Times New Roman" panose="02020603050405020304" pitchFamily="18" charset="0"/>
+              </a:rPr>
+              <a:t>국제 학회 발표 </a:t>
+            </a:r>
+            <a:r>
+              <a:rPr lang="en-US" altLang="ko-KR" sz="1200" dirty="0">
+                <a:latin typeface="+mj-ea"/>
+                <a:ea typeface="+mj-ea"/>
+                <a:cs typeface="Times New Roman" panose="02020603050405020304" pitchFamily="18" charset="0"/>
+              </a:rPr>
+              <a:t>2</a:t>
+            </a:r>
+            <a:r>
+              <a:rPr lang="ko-KR" altLang="en-US" sz="1200" dirty="0" smtClean="0">
+                <a:latin typeface="+mj-ea"/>
+                <a:ea typeface="+mj-ea"/>
+                <a:cs typeface="Times New Roman" panose="02020603050405020304" pitchFamily="18" charset="0"/>
+              </a:rPr>
+              <a:t>건</a:t>
+            </a:r>
+            <a:r>
+              <a:rPr lang="en-US" altLang="ko-KR" sz="1200" dirty="0">
+                <a:latin typeface="+mj-ea"/>
+                <a:ea typeface="+mj-ea"/>
+                <a:cs typeface="Times New Roman" panose="02020603050405020304" pitchFamily="18" charset="0"/>
+              </a:rPr>
+              <a:t>, </a:t>
+            </a:r>
+            <a:r>
+              <a:rPr lang="ko-KR" altLang="en-US" sz="1200" dirty="0">
+                <a:latin typeface="+mj-ea"/>
+                <a:ea typeface="+mj-ea"/>
+                <a:cs typeface="Times New Roman" panose="02020603050405020304" pitchFamily="18" charset="0"/>
+              </a:rPr>
+              <a:t>국내 학회 발표 </a:t>
+            </a:r>
+            <a:r>
+              <a:rPr lang="en-US" altLang="ko-KR" sz="1200" dirty="0">
+                <a:latin typeface="+mj-ea"/>
+                <a:ea typeface="+mj-ea"/>
+                <a:cs typeface="Times New Roman" panose="02020603050405020304" pitchFamily="18" charset="0"/>
+              </a:rPr>
+              <a:t>4</a:t>
+            </a:r>
+            <a:r>
+              <a:rPr lang="ko-KR" altLang="en-US" sz="1200" dirty="0" smtClean="0">
+                <a:latin typeface="+mj-ea"/>
+                <a:ea typeface="+mj-ea"/>
+                <a:cs typeface="Times New Roman" panose="02020603050405020304" pitchFamily="18" charset="0"/>
+              </a:rPr>
+              <a:t>건</a:t>
+            </a:r>
+            <a:endParaRPr lang="en-US" altLang="ko-KR" sz="1200" dirty="0">
+              <a:latin typeface="+mj-ea"/>
+              <a:ea typeface="+mj-ea"/>
+              <a:cs typeface="Times New Roman" panose="02020603050405020304" pitchFamily="18" charset="0"/>
+            </a:endParaRPr>
+          </a:p>
+          <a:p>
+            <a:pPr marL="171450" indent="-171450" latinLnBrk="0">
+              <a:lnSpc>
+                <a:spcPct val="200000"/>
+              </a:lnSpc>
+              <a:buFont typeface="Arial" panose="020B0604020202020204" pitchFamily="34" charset="0"/>
+              <a:buChar char="•"/>
+            </a:pPr>
+            <a:r>
+              <a:rPr lang="ko-KR" altLang="en-US" sz="1200" dirty="0" smtClean="0"/>
+              <a:t>우수논문상</a:t>
+            </a:r>
+            <a:r>
+              <a:rPr lang="en-US" altLang="ko-KR" sz="1200" dirty="0"/>
+              <a:t>, </a:t>
+            </a:r>
+            <a:r>
+              <a:rPr lang="ko-KR" altLang="en-US" sz="1200" dirty="0"/>
+              <a:t>한국신뢰성학회 </a:t>
+            </a:r>
+            <a:r>
+              <a:rPr lang="ko-KR" altLang="en-US" sz="1200" dirty="0" smtClean="0"/>
+              <a:t>춘계학술대회</a:t>
+            </a:r>
+            <a:r>
+              <a:rPr lang="ko-KR" altLang="en-US" sz="1200" dirty="0" smtClean="0">
+                <a:latin typeface="+mj-ea"/>
+                <a:ea typeface="+mj-ea"/>
+                <a:cs typeface="Times New Roman" panose="02020603050405020304" pitchFamily="18" charset="0"/>
+              </a:rPr>
+              <a:t> </a:t>
+            </a:r>
+            <a:r>
+              <a:rPr lang="en-US" altLang="ko-KR" sz="1200" dirty="0">
+                <a:latin typeface="+mj-ea"/>
+                <a:ea typeface="+mj-ea"/>
+                <a:cs typeface="Times New Roman" panose="02020603050405020304" pitchFamily="18" charset="0"/>
+              </a:rPr>
+              <a:t>(2017</a:t>
+            </a:r>
+            <a:r>
+              <a:rPr lang="en-US" altLang="ko-KR" sz="1200" dirty="0" smtClean="0">
+                <a:latin typeface="+mj-ea"/>
+                <a:ea typeface="+mj-ea"/>
+                <a:cs typeface="Times New Roman" panose="02020603050405020304" pitchFamily="18" charset="0"/>
+              </a:rPr>
+              <a:t>)</a:t>
+            </a:r>
+            <a:endParaRPr lang="en-US" altLang="ko-KR" sz="1200" dirty="0">
+              <a:latin typeface="+mj-ea"/>
+              <a:ea typeface="+mj-ea"/>
+              <a:cs typeface="Times New Roman" panose="02020603050405020304" pitchFamily="18" charset="0"/>
+            </a:endParaRPr>
+          </a:p>
+        </p:txBody>
+      </p:sp>
+      <p:pic>
+        <p:nvPicPr>
+          <p:cNvPr id="26" name="그림 2">
+            <a:extLst>
+              <a:ext uri="{FF2B5EF4-FFF2-40B4-BE49-F238E27FC236}">
+                <a16:creationId xmlns:a16="http://schemas.microsoft.com/office/drawing/2014/main" xmlns="" id="{5DD70A5B-4AF4-46BA-B495-25DC14CF6DE3}"/>
+              </a:ext>
+            </a:extLst>
+          </p:cNvPr>
+          <p:cNvPicPr>
+            <a:picLocks noChangeAspect="1"/>
+          </p:cNvPicPr>
+          <p:nvPr/>
+        </p:nvPicPr>
+        <p:blipFill>
+          <a:blip r:embed="rId3"/>
+          <a:stretch>
+            <a:fillRect/>
+          </a:stretch>
+        </p:blipFill>
+        <p:spPr>
+          <a:xfrm>
+            <a:off x="4649509" y="3218121"/>
+            <a:ext cx="795579" cy="795579"/>
+          </a:xfrm>
+          <a:prstGeom prst="rect">
+            <a:avLst/>
+          </a:prstGeom>
+        </p:spPr>
+      </p:pic>
+    </p:spTree>
+    <p:extLst>
+      <p:ext uri="{BB962C8B-B14F-4D97-AF65-F5344CB8AC3E}">
+        <p14:creationId xmlns:p14="http://schemas.microsoft.com/office/powerpoint/2010/main" val="1139072079"/>
+      </p:ext>
+    </p:extLst>
+  </p:cSld>
+  <p:clrMapOvr>
+    <a:masterClrMapping/>
+  </p:clrMapOvr>
+  <p:transition>
+    <p:fade/>
+  </p:transition>
+</p:sld>
+</file>
+
+<file path=ppt/slides/slide3.xml><?xml version="1.0" encoding="utf-8"?>
+<p:sld xmlns:a="http://schemas.openxmlformats.org/drawingml/2006/main" xmlns:r="http://schemas.openxmlformats.org/officeDocument/2006/relationships" xmlns:p="http://schemas.openxmlformats.org/presentationml/2006/main">
+  <p:cSld>
+    <p:spTree>
+      <p:nvGrpSpPr>
+        <p:cNvPr id="1" name=""/>
+        <p:cNvGrpSpPr/>
+        <p:nvPr/>
+      </p:nvGrpSpPr>
+      <p:grpSpPr>
+        <a:xfrm>
+          <a:off x="0" y="0"/>
+          <a:ext cx="0" cy="0"/>
+          <a:chOff x="0" y="0"/>
+          <a:chExt cx="0" cy="0"/>
+        </a:xfrm>
+      </p:grpSpPr>
+      <p:sp>
+        <p:nvSpPr>
           <p:cNvPr id="4" name="제목 3"/>
           <p:cNvSpPr>
             <a:spLocks noGrp="1"/>
@@ -3222,7 +6896,7 @@
     </p:spTree>
     <p:extLst>
       <p:ext uri="{BB962C8B-B14F-4D97-AF65-F5344CB8AC3E}">
-        <p14:creationId xmlns:p14="http://schemas.microsoft.com/office/powerpoint/2010/main" val="382350422"/>
+        <p14:creationId xmlns:p14="http://schemas.microsoft.com/office/powerpoint/2010/main" val="366838412"/>
       </p:ext>
     </p:extLst>
   </p:cSld>
@@ -3242,7 +6916,7 @@
 </p:sld>
 </file>
 
-<file path=ppt/slides/slide3.xml><?xml version="1.0" encoding="utf-8"?>
+<file path=ppt/slides/slide4.xml><?xml version="1.0" encoding="utf-8"?>
 <p:sld xmlns:a="http://schemas.openxmlformats.org/drawingml/2006/main" xmlns:r="http://schemas.openxmlformats.org/officeDocument/2006/relationships" xmlns:p="http://schemas.openxmlformats.org/presentationml/2006/main">
   <p:cSld>
     <p:spTree>
@@ -3410,7 +7084,7 @@
 </p:sld>
 </file>
 
-<file path=ppt/slides/slide4.xml><?xml version="1.0" encoding="utf-8"?>
+<file path=ppt/slides/slide5.xml><?xml version="1.0" encoding="utf-8"?>
 <p:sld xmlns:a="http://schemas.openxmlformats.org/drawingml/2006/main" xmlns:r="http://schemas.openxmlformats.org/officeDocument/2006/relationships" xmlns:p="http://schemas.openxmlformats.org/presentationml/2006/main">
   <p:cSld>
     <p:spTree>
@@ -3705,7 +7379,7 @@
 </p:sld>
 </file>
 
-<file path=ppt/slides/slide5.xml><?xml version="1.0" encoding="utf-8"?>
+<file path=ppt/slides/slide6.xml><?xml version="1.0" encoding="utf-8"?>
 <p:sld xmlns:a="http://schemas.openxmlformats.org/drawingml/2006/main" xmlns:r="http://schemas.openxmlformats.org/officeDocument/2006/relationships" xmlns:p="http://schemas.openxmlformats.org/presentationml/2006/main">
   <p:cSld>
     <p:spTree>
@@ -3978,7 +7652,7 @@
 </p:sld>
 </file>
 
-<file path=ppt/slides/slide6.xml><?xml version="1.0" encoding="utf-8"?>
+<file path=ppt/slides/slide7.xml><?xml version="1.0" encoding="utf-8"?>
 <p:sld xmlns:a="http://schemas.openxmlformats.org/drawingml/2006/main" xmlns:r="http://schemas.openxmlformats.org/officeDocument/2006/relationships" xmlns:p="http://schemas.openxmlformats.org/presentationml/2006/main">
   <p:cSld>
     <p:spTree>
@@ -4248,127 +7922,6 @@
 </p:sld>
 </file>
 
-<file path=ppt/slides/slide7.xml><?xml version="1.0" encoding="utf-8"?>
-<p:sld xmlns:a="http://schemas.openxmlformats.org/drawingml/2006/main" xmlns:r="http://schemas.openxmlformats.org/officeDocument/2006/relationships" xmlns:p="http://schemas.openxmlformats.org/presentationml/2006/main">
-  <p:cSld>
-    <p:spTree>
-      <p:nvGrpSpPr>
-        <p:cNvPr id="1" name=""/>
-        <p:cNvGrpSpPr/>
-        <p:nvPr/>
-      </p:nvGrpSpPr>
-      <p:grpSpPr>
-        <a:xfrm>
-          <a:off x="0" y="0"/>
-          <a:ext cx="0" cy="0"/>
-          <a:chOff x="0" y="0"/>
-          <a:chExt cx="0" cy="0"/>
-        </a:xfrm>
-      </p:grpSpPr>
-      <p:sp>
-        <p:nvSpPr>
-          <p:cNvPr id="2" name="제목 1"/>
-          <p:cNvSpPr>
-            <a:spLocks noGrp="1"/>
-          </p:cNvSpPr>
-          <p:nvPr>
-            <p:ph type="title"/>
-          </p:nvPr>
-        </p:nvSpPr>
-        <p:spPr/>
-        <p:txBody>
-          <a:bodyPr/>
-          <a:lstStyle/>
-          <a:p>
-            <a:r>
-              <a:rPr lang="en-US" altLang="ko-KR" dirty="0" smtClean="0"/>
-              <a:t>Python</a:t>
-            </a:r>
-            <a:endParaRPr lang="ko-KR" altLang="en-US" dirty="0"/>
-          </a:p>
-        </p:txBody>
-      </p:sp>
-      <p:sp>
-        <p:nvSpPr>
-          <p:cNvPr id="3" name="내용 개체 틀 2"/>
-          <p:cNvSpPr>
-            <a:spLocks noGrp="1"/>
-          </p:cNvSpPr>
-          <p:nvPr>
-            <p:ph idx="1"/>
-          </p:nvPr>
-        </p:nvSpPr>
-        <p:spPr/>
-        <p:txBody>
-          <a:bodyPr/>
-          <a:lstStyle/>
-          <a:p>
-            <a:r>
-              <a:rPr lang="en-US" altLang="ko-KR" dirty="0" smtClean="0"/>
-              <a:t>Anaconda</a:t>
-            </a:r>
-            <a:endParaRPr lang="ko-KR" altLang="en-US" dirty="0"/>
-          </a:p>
-        </p:txBody>
-      </p:sp>
-      <p:sp>
-        <p:nvSpPr>
-          <p:cNvPr id="5" name="TextBox 4"/>
-          <p:cNvSpPr txBox="1"/>
-          <p:nvPr/>
-        </p:nvSpPr>
-        <p:spPr>
-          <a:xfrm>
-            <a:off x="1397555" y="2870521"/>
-            <a:ext cx="6348891" cy="1015663"/>
-          </a:xfrm>
-          <a:prstGeom prst="rect">
-            <a:avLst/>
-          </a:prstGeom>
-          <a:noFill/>
-        </p:spPr>
-        <p:txBody>
-          <a:bodyPr wrap="square" rtlCol="0">
-            <a:spAutoFit/>
-          </a:bodyPr>
-          <a:lstStyle/>
-          <a:p>
-            <a:pPr algn="ctr"/>
-            <a:r>
-              <a:rPr lang="ko-KR" altLang="en-US" sz="6000" dirty="0" smtClean="0"/>
-              <a:t>설치해봅시다</a:t>
-            </a:r>
-            <a:r>
-              <a:rPr lang="en-US" altLang="ko-KR" sz="6000" dirty="0" smtClean="0"/>
-              <a:t>.</a:t>
-            </a:r>
-            <a:endParaRPr lang="en-US" sz="6000" dirty="0"/>
-          </a:p>
-        </p:txBody>
-      </p:sp>
-    </p:spTree>
-    <p:extLst>
-      <p:ext uri="{BB962C8B-B14F-4D97-AF65-F5344CB8AC3E}">
-        <p14:creationId xmlns:p14="http://schemas.microsoft.com/office/powerpoint/2010/main" val="321592586"/>
-      </p:ext>
-    </p:extLst>
-  </p:cSld>
-  <p:clrMapOvr>
-    <a:masterClrMapping/>
-  </p:clrMapOvr>
-  <p:transition>
-    <p:fade/>
-  </p:transition>
-  <p:timing>
-    <p:tnLst>
-      <p:par>
-        <p:cTn id="1" dur="indefinite" restart="never" nodeType="tmRoot"/>
-      </p:par>
-    </p:tnLst>
-  </p:timing>
-</p:sld>
-</file>
-
 <file path=ppt/slides/slide8.xml><?xml version="1.0" encoding="utf-8"?>
 <p:sld xmlns:a="http://schemas.openxmlformats.org/drawingml/2006/main" xmlns:r="http://schemas.openxmlformats.org/officeDocument/2006/relationships" xmlns:p="http://schemas.openxmlformats.org/presentationml/2006/main">
   <p:cSld>
@@ -4426,7 +7979,7 @@
           <a:p>
             <a:r>
               <a:rPr lang="en-US" altLang="ko-KR" dirty="0" smtClean="0"/>
-              <a:t>Package(=module) managing</a:t>
+              <a:t>Anaconda</a:t>
             </a:r>
             <a:endParaRPr lang="ko-KR" altLang="en-US" dirty="0"/>
           </a:p>
@@ -4434,14 +7987,14 @@
       </p:sp>
       <p:sp>
         <p:nvSpPr>
-          <p:cNvPr id="6" name="TextBox 5"/>
+          <p:cNvPr id="5" name="TextBox 4"/>
           <p:cNvSpPr txBox="1"/>
           <p:nvPr/>
         </p:nvSpPr>
         <p:spPr>
           <a:xfrm>
-            <a:off x="586155" y="1345223"/>
-            <a:ext cx="8239858" cy="4755148"/>
+            <a:off x="1397555" y="2870521"/>
+            <a:ext cx="6348891" cy="1015663"/>
           </a:xfrm>
           <a:prstGeom prst="rect">
             <a:avLst/>
@@ -4454,439 +8007,23 @@
           </a:bodyPr>
           <a:lstStyle/>
           <a:p>
-            <a:pPr marL="285750" indent="-285750">
-              <a:lnSpc>
-                <a:spcPct val="150000"/>
-              </a:lnSpc>
-              <a:buClr>
-                <a:schemeClr val="accent1">
-                  <a:lumMod val="75000"/>
-                </a:schemeClr>
-              </a:buClr>
-              <a:buFont typeface="Wingdings" panose="05000000000000000000" pitchFamily="2" charset="2"/>
-              <a:buChar char="v"/>
-            </a:pPr>
-            <a:r>
-              <a:rPr lang="ko-KR" altLang="en-US" dirty="0" smtClean="0"/>
-              <a:t>방법 </a:t>
-            </a:r>
-            <a:r>
-              <a:rPr lang="en-US" altLang="ko-KR" dirty="0" smtClean="0"/>
-              <a:t>1:</a:t>
-            </a:r>
-            <a:r>
-              <a:rPr lang="ko-KR" altLang="en-US" dirty="0" smtClean="0"/>
-              <a:t> </a:t>
-            </a:r>
-            <a:r>
-              <a:rPr lang="en-US" altLang="ko-KR" dirty="0" smtClean="0"/>
-              <a:t>pip</a:t>
-            </a:r>
-          </a:p>
-          <a:p>
-            <a:pPr marL="742950" lvl="1" indent="-285750">
-              <a:lnSpc>
-                <a:spcPct val="150000"/>
-              </a:lnSpc>
-              <a:buClr>
-                <a:schemeClr val="accent1">
-                  <a:lumMod val="75000"/>
-                </a:schemeClr>
-              </a:buClr>
-              <a:buFont typeface="Arial" charset="0"/>
-              <a:buChar char="•"/>
-            </a:pPr>
-            <a:r>
-              <a:rPr lang="en-US" altLang="ko-KR" sz="1600" dirty="0" smtClean="0"/>
-              <a:t>pip</a:t>
-            </a:r>
-            <a:r>
-              <a:rPr lang="ko-KR" altLang="en-US" sz="1600" dirty="0"/>
-              <a:t>는 </a:t>
-            </a:r>
-            <a:r>
-              <a:rPr lang="en-US" altLang="ko-KR" sz="1600" dirty="0"/>
-              <a:t>Python Package Index (</a:t>
-            </a:r>
-            <a:r>
-              <a:rPr lang="en-US" altLang="ko-KR" sz="1600" dirty="0" err="1"/>
-              <a:t>PyPI</a:t>
-            </a:r>
-            <a:r>
-              <a:rPr lang="en-US" altLang="ko-KR" sz="1600" dirty="0"/>
-              <a:t>) </a:t>
-            </a:r>
-            <a:r>
-              <a:rPr lang="ko-KR" altLang="en-US" sz="1600" dirty="0"/>
-              <a:t>저장소로부터 파이썬 패키지를 받아 설치하는 패키지 관리 </a:t>
-            </a:r>
-            <a:r>
-              <a:rPr lang="ko-KR" altLang="en-US" sz="1600" dirty="0" smtClean="0"/>
-              <a:t>도구</a:t>
-            </a:r>
-            <a:endParaRPr lang="en-US" altLang="ko-KR" sz="1600" dirty="0" smtClean="0"/>
-          </a:p>
-          <a:p>
-            <a:pPr marL="742950" lvl="1" indent="-285750">
-              <a:lnSpc>
-                <a:spcPct val="150000"/>
-              </a:lnSpc>
-              <a:buClr>
-                <a:schemeClr val="accent1">
-                  <a:lumMod val="75000"/>
-                </a:schemeClr>
-              </a:buClr>
-              <a:buFont typeface="Arial" charset="0"/>
-              <a:buChar char="•"/>
-            </a:pPr>
-            <a:r>
-              <a:rPr lang="en-US" altLang="ko-KR" sz="1600" dirty="0"/>
-              <a:t>Ruby</a:t>
-            </a:r>
-            <a:r>
-              <a:rPr lang="ko-KR" altLang="en-US" sz="1600" dirty="0"/>
-              <a:t>에서의 </a:t>
-            </a:r>
-            <a:r>
-              <a:rPr lang="en-US" altLang="ko-KR" sz="1600" dirty="0" err="1"/>
-              <a:t>RubyGems</a:t>
-            </a:r>
-            <a:r>
-              <a:rPr lang="en-US" altLang="ko-KR" sz="1600" dirty="0"/>
-              <a:t> </a:t>
-            </a:r>
-            <a:r>
-              <a:rPr lang="ko-KR" altLang="en-US" sz="1600" dirty="0"/>
-              <a:t>혹은 </a:t>
-            </a:r>
-            <a:r>
-              <a:rPr lang="en-US" altLang="ko-KR" sz="1600" dirty="0"/>
-              <a:t>PHP</a:t>
-            </a:r>
-            <a:r>
-              <a:rPr lang="ko-KR" altLang="en-US" sz="1600" dirty="0"/>
-              <a:t>의 </a:t>
-            </a:r>
-            <a:r>
-              <a:rPr lang="en-US" altLang="ko-KR" sz="1600" dirty="0" err="1"/>
-              <a:t>Packagist</a:t>
-            </a:r>
-            <a:r>
-              <a:rPr lang="en-US" altLang="ko-KR" sz="1600" dirty="0"/>
-              <a:t>, Perl</a:t>
-            </a:r>
-            <a:r>
-              <a:rPr lang="ko-KR" altLang="en-US" sz="1600" dirty="0"/>
-              <a:t>의 </a:t>
-            </a:r>
-            <a:r>
-              <a:rPr lang="en-US" altLang="ko-KR" sz="1600" dirty="0"/>
-              <a:t>CPAN </a:t>
-            </a:r>
-            <a:r>
-              <a:rPr lang="ko-KR" altLang="en-US" sz="1600" dirty="0"/>
-              <a:t>그리고 </a:t>
-            </a:r>
-            <a:r>
-              <a:rPr lang="en-US" altLang="ko-KR" sz="1600" dirty="0" err="1"/>
-              <a:t>Node.js</a:t>
-            </a:r>
-            <a:r>
-              <a:rPr lang="ko-KR" altLang="en-US" sz="1600" dirty="0"/>
-              <a:t>의 </a:t>
-            </a:r>
-            <a:r>
-              <a:rPr lang="en-US" altLang="ko-KR" sz="1600" dirty="0"/>
-              <a:t>NPM</a:t>
-            </a:r>
-            <a:r>
-              <a:rPr lang="ko-KR" altLang="en-US" sz="1600" dirty="0"/>
-              <a:t>와 </a:t>
-            </a:r>
-            <a:r>
-              <a:rPr lang="ko-KR" altLang="en-US" sz="1600" dirty="0" smtClean="0"/>
-              <a:t>비슷</a:t>
-            </a:r>
-            <a:endParaRPr lang="en-US" altLang="ko-KR" sz="1600" dirty="0" smtClean="0"/>
-          </a:p>
-          <a:p>
-            <a:pPr marL="285750" indent="-285750">
-              <a:lnSpc>
-                <a:spcPct val="150000"/>
-              </a:lnSpc>
-              <a:buClr>
-                <a:schemeClr val="accent1">
-                  <a:lumMod val="75000"/>
-                </a:schemeClr>
-              </a:buClr>
-              <a:buFont typeface="Arial" charset="0"/>
-              <a:buChar char="•"/>
-            </a:pPr>
-            <a:endParaRPr lang="en-US" altLang="ko-KR" dirty="0" smtClean="0"/>
-          </a:p>
-          <a:p>
-            <a:pPr marL="285750" indent="-285750">
-              <a:lnSpc>
-                <a:spcPct val="150000"/>
-              </a:lnSpc>
-              <a:buClr>
-                <a:schemeClr val="accent1">
-                  <a:lumMod val="75000"/>
-                </a:schemeClr>
-              </a:buClr>
-              <a:buFont typeface="Wingdings" charset="2"/>
-              <a:buChar char="v"/>
-            </a:pPr>
-            <a:r>
-              <a:rPr lang="ko-KR" altLang="en-US" dirty="0" smtClean="0"/>
-              <a:t>방법 </a:t>
-            </a:r>
-            <a:r>
-              <a:rPr lang="en-US" altLang="ko-KR" dirty="0" smtClean="0"/>
-              <a:t>2:</a:t>
-            </a:r>
-            <a:r>
-              <a:rPr lang="ko-KR" altLang="en-US" dirty="0" smtClean="0"/>
-              <a:t> </a:t>
-            </a:r>
-            <a:r>
-              <a:rPr lang="en-US" altLang="ko-KR" dirty="0" err="1" smtClean="0"/>
-              <a:t>conda</a:t>
-            </a:r>
-            <a:endParaRPr lang="en-US" altLang="ko-KR" dirty="0" smtClean="0"/>
-          </a:p>
-          <a:p>
-            <a:pPr marL="742950" lvl="1" indent="-285750">
-              <a:lnSpc>
-                <a:spcPct val="150000"/>
-              </a:lnSpc>
-              <a:buClr>
-                <a:schemeClr val="accent1">
-                  <a:lumMod val="75000"/>
-                </a:schemeClr>
-              </a:buClr>
-              <a:buFont typeface="Wingdings" charset="2"/>
-              <a:buChar char="v"/>
-            </a:pPr>
-            <a:r>
-              <a:rPr lang="en-US" altLang="ko-KR" sz="1600" dirty="0" smtClean="0"/>
-              <a:t>Anaconda</a:t>
-            </a:r>
-            <a:r>
-              <a:rPr lang="ko-KR" altLang="en-US" sz="1600" dirty="0" smtClean="0"/>
-              <a:t>에서 제공하는 패키지 관리 도구</a:t>
-            </a:r>
-            <a:endParaRPr lang="en-US" altLang="ko-KR" sz="1600" dirty="0" smtClean="0"/>
-          </a:p>
-          <a:p>
-            <a:pPr marL="742950" lvl="1" indent="-285750">
-              <a:lnSpc>
-                <a:spcPct val="150000"/>
-              </a:lnSpc>
-              <a:buClr>
-                <a:schemeClr val="accent1">
-                  <a:lumMod val="75000"/>
-                </a:schemeClr>
-              </a:buClr>
-              <a:buFont typeface="Wingdings" charset="2"/>
-              <a:buChar char="v"/>
-            </a:pPr>
-            <a:r>
-              <a:rPr lang="en-US" altLang="ko-KR" sz="1600" dirty="0" smtClean="0"/>
-              <a:t>Pip + </a:t>
-            </a:r>
-            <a:r>
-              <a:rPr lang="en-US" altLang="ko-KR" sz="1600" dirty="0" err="1" smtClean="0"/>
-              <a:t>virtualenv</a:t>
-            </a:r>
-            <a:r>
-              <a:rPr lang="en-US" altLang="ko-KR" sz="1600" dirty="0" smtClean="0"/>
-              <a:t> (</a:t>
-            </a:r>
-            <a:r>
-              <a:rPr lang="ko-KR" altLang="en-US" sz="1600" dirty="0" smtClean="0"/>
-              <a:t>가상환경 관리도구</a:t>
-            </a:r>
-            <a:r>
-              <a:rPr lang="en-US" altLang="ko-KR" sz="1600" dirty="0" smtClean="0"/>
-              <a:t>)</a:t>
-            </a:r>
-          </a:p>
-          <a:p>
-            <a:pPr marL="742950" lvl="1" indent="-285750">
-              <a:lnSpc>
-                <a:spcPct val="150000"/>
-              </a:lnSpc>
-              <a:buClr>
-                <a:schemeClr val="accent1">
-                  <a:lumMod val="75000"/>
-                </a:schemeClr>
-              </a:buClr>
-              <a:buFont typeface="Arial" charset="0"/>
-              <a:buChar char="•"/>
-            </a:pPr>
-            <a:endParaRPr lang="en-US" altLang="ko-KR" sz="1600" dirty="0"/>
-          </a:p>
-          <a:p>
-            <a:pPr marL="285750" indent="-285750">
-              <a:lnSpc>
-                <a:spcPct val="150000"/>
-              </a:lnSpc>
-              <a:buClr>
-                <a:schemeClr val="accent1">
-                  <a:lumMod val="75000"/>
-                </a:schemeClr>
-              </a:buClr>
-              <a:buFont typeface="Wingdings" panose="05000000000000000000" pitchFamily="2" charset="2"/>
-              <a:buChar char="v"/>
-            </a:pPr>
-            <a:endParaRPr lang="en-US" altLang="ko-KR" dirty="0" smtClean="0"/>
-          </a:p>
-          <a:p>
-            <a:pPr marL="285750" indent="-285750">
-              <a:lnSpc>
-                <a:spcPct val="150000"/>
-              </a:lnSpc>
-              <a:buClr>
-                <a:schemeClr val="accent1">
-                  <a:lumMod val="75000"/>
-                </a:schemeClr>
-              </a:buClr>
-              <a:buFont typeface="Wingdings" panose="05000000000000000000" pitchFamily="2" charset="2"/>
-              <a:buChar char="v"/>
-            </a:pPr>
-            <a:endParaRPr lang="en-US" altLang="ko-KR" dirty="0" smtClean="0"/>
-          </a:p>
-        </p:txBody>
-      </p:sp>
-      <p:sp>
-        <p:nvSpPr>
-          <p:cNvPr id="7" name="TextBox 6"/>
-          <p:cNvSpPr txBox="1"/>
-          <p:nvPr/>
-        </p:nvSpPr>
-        <p:spPr>
-          <a:xfrm>
-            <a:off x="586155" y="5084708"/>
-            <a:ext cx="8239857" cy="1200329"/>
-          </a:xfrm>
-          <a:prstGeom prst="rect">
-            <a:avLst/>
-          </a:prstGeom>
-          <a:noFill/>
-        </p:spPr>
-        <p:txBody>
-          <a:bodyPr wrap="square" rtlCol="0">
-            <a:spAutoFit/>
-          </a:bodyPr>
-          <a:lstStyle/>
-          <a:p>
-            <a:pPr marL="514350" indent="-514350" algn="just">
-              <a:lnSpc>
-                <a:spcPct val="150000"/>
-              </a:lnSpc>
-              <a:buAutoNum type="arabicPeriod"/>
-            </a:pPr>
-            <a:r>
-              <a:rPr lang="en-US" altLang="ko-KR" sz="2400" dirty="0" err="1" smtClean="0">
-                <a:solidFill>
-                  <a:srgbClr val="C00000"/>
-                </a:solidFill>
-              </a:rPr>
-              <a:t>Conda</a:t>
-            </a:r>
-            <a:r>
-              <a:rPr lang="ko-KR" altLang="en-US" sz="2400" dirty="0" smtClean="0">
-                <a:solidFill>
-                  <a:srgbClr val="C00000"/>
-                </a:solidFill>
-              </a:rPr>
-              <a:t>로 설치가 가능한 지 확인한다</a:t>
-            </a:r>
-            <a:r>
-              <a:rPr lang="ko-KR" altLang="en-US" sz="2400" dirty="0">
-                <a:solidFill>
-                  <a:srgbClr val="C00000"/>
-                </a:solidFill>
-              </a:rPr>
-              <a:t> </a:t>
-            </a:r>
-            <a:r>
-              <a:rPr lang="en-US" altLang="ko-KR" sz="2400" dirty="0" smtClean="0">
-                <a:solidFill>
-                  <a:srgbClr val="C00000"/>
-                </a:solidFill>
-              </a:rPr>
-              <a:t>-&gt;</a:t>
-            </a:r>
-            <a:r>
-              <a:rPr lang="ko-KR" altLang="en-US" sz="2400" dirty="0" smtClean="0">
-                <a:solidFill>
-                  <a:srgbClr val="C00000"/>
-                </a:solidFill>
-              </a:rPr>
-              <a:t> 구글링</a:t>
-            </a:r>
-            <a:r>
-              <a:rPr lang="en-US" altLang="ko-KR" sz="2400" dirty="0" smtClean="0">
-                <a:solidFill>
-                  <a:srgbClr val="C00000"/>
-                </a:solidFill>
-              </a:rPr>
-              <a:t>!</a:t>
-            </a:r>
-          </a:p>
-          <a:p>
-            <a:pPr marL="514350" indent="-514350" algn="just">
-              <a:lnSpc>
-                <a:spcPct val="150000"/>
-              </a:lnSpc>
-              <a:buAutoNum type="arabicPeriod"/>
-            </a:pPr>
-            <a:r>
-              <a:rPr lang="en-US" altLang="ko-KR" sz="2400" dirty="0" err="1" smtClean="0">
-                <a:solidFill>
-                  <a:srgbClr val="C00000"/>
-                </a:solidFill>
-              </a:rPr>
-              <a:t>Conda</a:t>
-            </a:r>
-            <a:r>
-              <a:rPr lang="ko-KR" altLang="en-US" sz="2400" dirty="0" smtClean="0">
-                <a:solidFill>
-                  <a:srgbClr val="C00000"/>
-                </a:solidFill>
-              </a:rPr>
-              <a:t>로 설치가 불가능한 경우에만 </a:t>
-            </a:r>
-            <a:r>
-              <a:rPr lang="en-US" altLang="ko-KR" sz="2400" dirty="0" smtClean="0">
-                <a:solidFill>
-                  <a:srgbClr val="C00000"/>
-                </a:solidFill>
-              </a:rPr>
-              <a:t>pip </a:t>
-            </a:r>
-            <a:r>
-              <a:rPr lang="ko-KR" altLang="en-US" sz="2400" dirty="0" smtClean="0">
-                <a:solidFill>
-                  <a:srgbClr val="C00000"/>
-                </a:solidFill>
-              </a:rPr>
-              <a:t>사용 권장</a:t>
-            </a:r>
-            <a:endParaRPr lang="en-US" altLang="ko-KR" sz="2400" dirty="0" smtClean="0">
-              <a:solidFill>
-                <a:srgbClr val="C00000"/>
-              </a:solidFill>
-            </a:endParaRPr>
+            <a:pPr algn="ctr"/>
+            <a:r>
+              <a:rPr lang="ko-KR" altLang="en-US" sz="6000" dirty="0" smtClean="0"/>
+              <a:t>설치해봅시다</a:t>
+            </a:r>
+            <a:r>
+              <a:rPr lang="en-US" altLang="ko-KR" sz="6000" dirty="0" smtClean="0"/>
+              <a:t>.</a:t>
+            </a:r>
+            <a:endParaRPr lang="en-US" sz="6000" dirty="0"/>
           </a:p>
         </p:txBody>
       </p:sp>
     </p:spTree>
     <p:extLst>
       <p:ext uri="{BB962C8B-B14F-4D97-AF65-F5344CB8AC3E}">
-        <p14:creationId xmlns:p14="http://schemas.microsoft.com/office/powerpoint/2010/main" val="2017963097"/>
+        <p14:creationId xmlns:p14="http://schemas.microsoft.com/office/powerpoint/2010/main" val="321592586"/>
       </p:ext>
     </p:extLst>
   </p:cSld>
@@ -4963,23 +8100,7 @@
           <a:p>
             <a:r>
               <a:rPr lang="en-US" altLang="ko-KR" dirty="0" smtClean="0"/>
-              <a:t>Pip/</a:t>
-            </a:r>
-            <a:r>
-              <a:rPr lang="en-US" altLang="ko-KR" dirty="0" err="1" smtClean="0"/>
-              <a:t>conda</a:t>
-            </a:r>
-            <a:r>
-              <a:rPr lang="en-US" altLang="ko-KR" dirty="0" smtClean="0"/>
-              <a:t> commands (on </a:t>
-            </a:r>
-            <a:r>
-              <a:rPr lang="en-US" altLang="ko-KR" dirty="0" err="1" smtClean="0"/>
-              <a:t>cmd</a:t>
-            </a:r>
-            <a:r>
-              <a:rPr lang="en-US" altLang="ko-KR" dirty="0" smtClean="0"/>
-              <a:t> or terminal)</a:t>
+              <a:t>Package(=module) managing</a:t>
             </a:r>
             <a:endParaRPr lang="ko-KR" altLang="en-US" dirty="0"/>
           </a:p>
@@ -4994,7 +8115,7 @@
         <p:spPr>
           <a:xfrm>
             <a:off x="586155" y="1345223"/>
-            <a:ext cx="8239858" cy="2585323"/>
+            <a:ext cx="8239858" cy="4755148"/>
           </a:xfrm>
           <a:prstGeom prst="rect">
             <a:avLst/>
@@ -5006,6 +8127,177 @@
             <a:spAutoFit/>
           </a:bodyPr>
           <a:lstStyle/>
+          <a:p>
+            <a:pPr marL="285750" indent="-285750">
+              <a:lnSpc>
+                <a:spcPct val="150000"/>
+              </a:lnSpc>
+              <a:buClr>
+                <a:schemeClr val="accent1">
+                  <a:lumMod val="75000"/>
+                </a:schemeClr>
+              </a:buClr>
+              <a:buFont typeface="Wingdings" panose="05000000000000000000" pitchFamily="2" charset="2"/>
+              <a:buChar char="v"/>
+            </a:pPr>
+            <a:r>
+              <a:rPr lang="ko-KR" altLang="en-US" dirty="0" smtClean="0"/>
+              <a:t>방법 </a:t>
+            </a:r>
+            <a:r>
+              <a:rPr lang="en-US" altLang="ko-KR" dirty="0" smtClean="0"/>
+              <a:t>1:</a:t>
+            </a:r>
+            <a:r>
+              <a:rPr lang="ko-KR" altLang="en-US" dirty="0" smtClean="0"/>
+              <a:t> </a:t>
+            </a:r>
+            <a:r>
+              <a:rPr lang="en-US" altLang="ko-KR" dirty="0" smtClean="0"/>
+              <a:t>pip</a:t>
+            </a:r>
+          </a:p>
+          <a:p>
+            <a:pPr marL="742950" lvl="1" indent="-285750">
+              <a:lnSpc>
+                <a:spcPct val="150000"/>
+              </a:lnSpc>
+              <a:buClr>
+                <a:schemeClr val="accent1">
+                  <a:lumMod val="75000"/>
+                </a:schemeClr>
+              </a:buClr>
+              <a:buFont typeface="Arial" charset="0"/>
+              <a:buChar char="•"/>
+            </a:pPr>
+            <a:r>
+              <a:rPr lang="en-US" altLang="ko-KR" sz="1600" dirty="0" smtClean="0"/>
+              <a:t>pip</a:t>
+            </a:r>
+            <a:r>
+              <a:rPr lang="ko-KR" altLang="en-US" sz="1600" dirty="0"/>
+              <a:t>는 </a:t>
+            </a:r>
+            <a:r>
+              <a:rPr lang="en-US" altLang="ko-KR" sz="1600" dirty="0"/>
+              <a:t>Python Package Index (</a:t>
+            </a:r>
+            <a:r>
+              <a:rPr lang="en-US" altLang="ko-KR" sz="1600" dirty="0" err="1"/>
+              <a:t>PyPI</a:t>
+            </a:r>
+            <a:r>
+              <a:rPr lang="en-US" altLang="ko-KR" sz="1600" dirty="0"/>
+              <a:t>) </a:t>
+            </a:r>
+            <a:r>
+              <a:rPr lang="ko-KR" altLang="en-US" sz="1600" dirty="0"/>
+              <a:t>저장소로부터 파이썬 패키지를 받아 설치하는 패키지 관리 </a:t>
+            </a:r>
+            <a:r>
+              <a:rPr lang="ko-KR" altLang="en-US" sz="1600" dirty="0" smtClean="0"/>
+              <a:t>도구</a:t>
+            </a:r>
+            <a:endParaRPr lang="en-US" altLang="ko-KR" sz="1600" dirty="0" smtClean="0"/>
+          </a:p>
+          <a:p>
+            <a:pPr marL="742950" lvl="1" indent="-285750">
+              <a:lnSpc>
+                <a:spcPct val="150000"/>
+              </a:lnSpc>
+              <a:buClr>
+                <a:schemeClr val="accent1">
+                  <a:lumMod val="75000"/>
+                </a:schemeClr>
+              </a:buClr>
+              <a:buFont typeface="Arial" charset="0"/>
+              <a:buChar char="•"/>
+            </a:pPr>
+            <a:r>
+              <a:rPr lang="en-US" altLang="ko-KR" sz="1600" dirty="0"/>
+              <a:t>Ruby</a:t>
+            </a:r>
+            <a:r>
+              <a:rPr lang="ko-KR" altLang="en-US" sz="1600" dirty="0"/>
+              <a:t>에서의 </a:t>
+            </a:r>
+            <a:r>
+              <a:rPr lang="en-US" altLang="ko-KR" sz="1600" dirty="0" err="1"/>
+              <a:t>RubyGems</a:t>
+            </a:r>
+            <a:r>
+              <a:rPr lang="en-US" altLang="ko-KR" sz="1600" dirty="0"/>
+              <a:t> </a:t>
+            </a:r>
+            <a:r>
+              <a:rPr lang="ko-KR" altLang="en-US" sz="1600" dirty="0"/>
+              <a:t>혹은 </a:t>
+            </a:r>
+            <a:r>
+              <a:rPr lang="en-US" altLang="ko-KR" sz="1600" dirty="0"/>
+              <a:t>PHP</a:t>
+            </a:r>
+            <a:r>
+              <a:rPr lang="ko-KR" altLang="en-US" sz="1600" dirty="0"/>
+              <a:t>의 </a:t>
+            </a:r>
+            <a:r>
+              <a:rPr lang="en-US" altLang="ko-KR" sz="1600" dirty="0" err="1"/>
+              <a:t>Packagist</a:t>
+            </a:r>
+            <a:r>
+              <a:rPr lang="en-US" altLang="ko-KR" sz="1600" dirty="0"/>
+              <a:t>, Perl</a:t>
+            </a:r>
+            <a:r>
+              <a:rPr lang="ko-KR" altLang="en-US" sz="1600" dirty="0"/>
+              <a:t>의 </a:t>
+            </a:r>
+            <a:r>
+              <a:rPr lang="en-US" altLang="ko-KR" sz="1600" dirty="0"/>
+              <a:t>CPAN </a:t>
+            </a:r>
+            <a:r>
+              <a:rPr lang="ko-KR" altLang="en-US" sz="1600" dirty="0"/>
+              <a:t>그리고 </a:t>
+            </a:r>
+            <a:r>
+              <a:rPr lang="en-US" altLang="ko-KR" sz="1600" dirty="0" err="1"/>
+              <a:t>Node.js</a:t>
+            </a:r>
+            <a:r>
+              <a:rPr lang="ko-KR" altLang="en-US" sz="1600" dirty="0"/>
+              <a:t>의 </a:t>
+            </a:r>
+            <a:r>
+              <a:rPr lang="en-US" altLang="ko-KR" sz="1600" dirty="0"/>
+              <a:t>NPM</a:t>
+            </a:r>
+            <a:r>
+              <a:rPr lang="ko-KR" altLang="en-US" sz="1600" dirty="0"/>
+              <a:t>와 </a:t>
+            </a:r>
+            <a:r>
+              <a:rPr lang="ko-KR" altLang="en-US" sz="1600" dirty="0" smtClean="0"/>
+              <a:t>비슷</a:t>
+            </a:r>
+            <a:endParaRPr lang="en-US" altLang="ko-KR" sz="1600" dirty="0" smtClean="0"/>
+          </a:p>
+          <a:p>
+            <a:pPr marL="285750" indent="-285750">
+              <a:lnSpc>
+                <a:spcPct val="150000"/>
+              </a:lnSpc>
+              <a:buClr>
+                <a:schemeClr val="accent1">
+                  <a:lumMod val="75000"/>
+                </a:schemeClr>
+              </a:buClr>
+              <a:buFont typeface="Arial" charset="0"/>
+              <a:buChar char="•"/>
+            </a:pPr>
+            <a:endParaRPr lang="en-US" altLang="ko-KR" dirty="0" smtClean="0"/>
+          </a:p>
           <a:p>
             <a:pPr marL="285750" indent="-285750">
               <a:lnSpc>
@@ -5020,20 +8312,25 @@
               <a:buChar char="v"/>
             </a:pPr>
             <a:r>
+              <a:rPr lang="ko-KR" altLang="en-US" dirty="0" smtClean="0"/>
+              <a:t>방법 </a:t>
+            </a:r>
+            <a:r>
               <a:rPr lang="en-US" altLang="ko-KR" dirty="0" smtClean="0"/>
-              <a:t>Pip install ‘package’ / </a:t>
+              <a:t>2:</a:t>
+            </a:r>
+            <a:r>
+              <a:rPr lang="ko-KR" altLang="en-US" dirty="0" smtClean="0"/>
+              <a:t> </a:t>
             </a:r>
             <a:r>
               <a:rPr lang="en-US" altLang="ko-KR" dirty="0" err="1" smtClean="0"/>
               <a:t>conda</a:t>
             </a:r>
-            <a:r>
-              <a:rPr lang="en-US" altLang="ko-KR" dirty="0" smtClean="0"/>
-              <a:t> install ‘package’</a:t>
-            </a:r>
-          </a:p>
-          <a:p>
-            <a:pPr marL="285750" indent="-285750">
+            <a:endParaRPr lang="en-US" altLang="ko-KR" dirty="0" smtClean="0"/>
+          </a:p>
+          <a:p>
+            <a:pPr marL="742950" lvl="1" indent="-285750">
               <a:lnSpc>
                 <a:spcPct val="150000"/>
               </a:lnSpc>
@@ -5046,21 +8343,17 @@
               <a:buChar char="v"/>
             </a:pPr>
             <a:r>
-              <a:rPr lang="en-US" altLang="ko-KR" dirty="0" smtClean="0"/>
-              <a:t>Pip uninstall ’package’ / </a:t>
-            </a:r>
-            <a:r>
-              <a:rPr lang="en-US" altLang="ko-KR" dirty="0" err="1" smtClean="0"/>
-              <a:t>conda</a:t>
-            </a:r>
-            <a:r>
-              <a:rPr lang="en-US" altLang="ko-KR" dirty="0" smtClean="0"/>
-              <a:t> remove ‘package’</a:t>
-            </a:r>
-            <a:endParaRPr lang="en-US" altLang="ko-KR" dirty="0"/>
-          </a:p>
-          <a:p>
-            <a:pPr marL="285750" indent="-285750">
+              <a:rPr lang="en-US" altLang="ko-KR" sz="1600" dirty="0" smtClean="0"/>
+              <a:t>Anaconda</a:t>
+            </a:r>
+            <a:r>
+              <a:rPr lang="ko-KR" altLang="en-US" sz="1600" dirty="0" smtClean="0"/>
+              <a:t>에서 제공하는 패키지 관리 도구</a:t>
+            </a:r>
+            <a:endParaRPr lang="en-US" altLang="ko-KR" sz="1600" dirty="0" smtClean="0"/>
+          </a:p>
+          <a:p>
+            <a:pPr marL="742950" lvl="1" indent="-285750">
               <a:lnSpc>
                 <a:spcPct val="150000"/>
               </a:lnSpc>
@@ -5069,24 +8362,32 @@
                   <a:lumMod val="75000"/>
                 </a:schemeClr>
               </a:buClr>
-              <a:buFont typeface="Wingdings" panose="05000000000000000000" pitchFamily="2" charset="2"/>
+              <a:buFont typeface="Wingdings" charset="2"/>
               <a:buChar char="v"/>
             </a:pPr>
             <a:r>
-              <a:rPr lang="en-US" altLang="ko-KR" dirty="0" smtClean="0"/>
-              <a:t>Pip install -U ‘package’ / </a:t>
-            </a:r>
-            <a:r>
-              <a:rPr lang="en-US" altLang="ko-KR" dirty="0" err="1" smtClean="0"/>
-              <a:t>conda</a:t>
-            </a:r>
-            <a:r>
-              <a:rPr lang="en-US" altLang="ko-KR" dirty="0" smtClean="0"/>
-              <a:t> update ‘package’</a:t>
-            </a:r>
-          </a:p>
-          <a:p>
-            <a:pPr marL="285750" indent="-285750">
+              <a:rPr lang="en-US" altLang="ko-KR" sz="1600" dirty="0" smtClean="0"/>
+              <a:t>Pip + </a:t>
+            </a:r>
+            <a:r>
+              <a:rPr lang="en-US" altLang="ko-KR" sz="1600" dirty="0" err="1" smtClean="0"/>
+              <a:t>virtualenv</a:t>
+            </a:r>
+            <a:r>
+              <a:rPr lang="en-US" altLang="ko-KR" sz="1600" dirty="0" smtClean="0"/>
+              <a:t> (</a:t>
+            </a:r>
+            <a:r>
+              <a:rPr lang="ko-KR" altLang="en-US" sz="1600" dirty="0" smtClean="0"/>
+              <a:t>가상환경 관리도구</a:t>
+            </a:r>
+            <a:r>
+              <a:rPr lang="en-US" altLang="ko-KR" sz="1600" dirty="0" smtClean="0"/>
+              <a:t>)</a:t>
+            </a:r>
+          </a:p>
+          <a:p>
+            <a:pPr marL="742950" lvl="1" indent="-285750">
               <a:lnSpc>
                 <a:spcPct val="150000"/>
               </a:lnSpc>
@@ -5095,47 +8396,10 @@
                   <a:lumMod val="75000"/>
                 </a:schemeClr>
               </a:buClr>
-              <a:buFont typeface="Wingdings" panose="05000000000000000000" pitchFamily="2" charset="2"/>
-              <a:buChar char="v"/>
+              <a:buFont typeface="Arial" charset="0"/>
+              <a:buChar char="•"/>
             </a:pPr>
-            <a:r>
-              <a:rPr lang="en-US" altLang="ko-KR" dirty="0" smtClean="0"/>
-              <a:t>Pip show ‘package’ / </a:t>
-            </a:r>
-            <a:r>
-              <a:rPr lang="en-US" altLang="ko-KR" strike="sngStrike" dirty="0" err="1" smtClean="0"/>
-              <a:t>conda</a:t>
-            </a:r>
-            <a:r>
-              <a:rPr lang="en-US" altLang="ko-KR" strike="sngStrike" dirty="0" smtClean="0"/>
-              <a:t> info ‘package’</a:t>
-            </a:r>
-          </a:p>
-          <a:p>
-            <a:pPr marL="285750" indent="-285750">
-              <a:lnSpc>
-                <a:spcPct val="150000"/>
-              </a:lnSpc>
-              <a:buClr>
-                <a:schemeClr val="accent1">
-                  <a:lumMod val="75000"/>
-                </a:schemeClr>
-              </a:buClr>
-              <a:buFont typeface="Wingdings" panose="05000000000000000000" pitchFamily="2" charset="2"/>
-              <a:buChar char="v"/>
-            </a:pPr>
-            <a:r>
-              <a:rPr lang="en-US" altLang="ko-KR" dirty="0" smtClean="0"/>
-              <a:t>Pip list / </a:t>
-            </a:r>
-            <a:r>
-              <a:rPr lang="en-US" altLang="ko-KR" dirty="0" err="1" smtClean="0"/>
-              <a:t>conda</a:t>
-            </a:r>
-            <a:r>
-              <a:rPr lang="en-US" altLang="ko-KR" dirty="0" smtClean="0"/>
-              <a:t> list</a:t>
-            </a:r>
+            <a:endParaRPr lang="en-US" altLang="ko-KR" sz="1600" dirty="0"/>
           </a:p>
           <a:p>
             <a:pPr marL="285750" indent="-285750">
@@ -5152,12 +8416,151 @@
             </a:pPr>
             <a:endParaRPr lang="en-US" altLang="ko-KR" dirty="0" smtClean="0"/>
           </a:p>
+          <a:p>
+            <a:pPr marL="285750" indent="-285750">
+              <a:lnSpc>
+                <a:spcPct val="150000"/>
+              </a:lnSpc>
+              <a:buClr>
+                <a:schemeClr val="accent1">
+                  <a:lumMod val="75000"/>
+                </a:schemeClr>
+              </a:buClr>
+              <a:buFont typeface="Wingdings" panose="05000000000000000000" pitchFamily="2" charset="2"/>
+              <a:buChar char="v"/>
+            </a:pPr>
+            <a:endParaRPr lang="en-US" altLang="ko-KR" dirty="0" smtClean="0"/>
+          </a:p>
+        </p:txBody>
+      </p:sp>
+      <p:sp>
+        <p:nvSpPr>
+          <p:cNvPr id="7" name="TextBox 6"/>
+          <p:cNvSpPr txBox="1"/>
+          <p:nvPr/>
+        </p:nvSpPr>
+        <p:spPr>
+          <a:xfrm>
+            <a:off x="586155" y="5084708"/>
+            <a:ext cx="8239857" cy="1200329"/>
+          </a:xfrm>
+          <a:prstGeom prst="rect">
+            <a:avLst/>
+          </a:prstGeom>
+          <a:noFill/>
+        </p:spPr>
+        <p:txBody>
+          <a:bodyPr wrap="square" rtlCol="0">
+            <a:spAutoFit/>
+          </a:bodyPr>
+          <a:lstStyle/>
+          <a:p>
+            <a:pPr marL="514350" indent="-514350" algn="just">
+              <a:lnSpc>
+                <a:spcPct val="150000"/>
+              </a:lnSpc>
+              <a:buAutoNum type="arabicPeriod"/>
+            </a:pPr>
+            <a:r>
+              <a:rPr lang="en-US" altLang="ko-KR" sz="2400" dirty="0" err="1" smtClean="0">
+                <a:solidFill>
+                  <a:srgbClr val="C00000"/>
+                </a:solidFill>
+              </a:rPr>
+              <a:t>Conda</a:t>
+            </a:r>
+            <a:r>
+              <a:rPr lang="ko-KR" altLang="en-US" sz="2400" dirty="0" smtClean="0">
+                <a:solidFill>
+                  <a:srgbClr val="C00000"/>
+                </a:solidFill>
+              </a:rPr>
+              <a:t>로 설치가 가능한 지 확인한다</a:t>
+            </a:r>
+            <a:r>
+              <a:rPr lang="ko-KR" altLang="en-US" sz="2400" dirty="0">
+                <a:solidFill>
+                  <a:srgbClr val="C00000"/>
+                </a:solidFill>
+              </a:rPr>
+              <a:t> </a:t>
+            </a:r>
+            <a:r>
+              <a:rPr lang="en-US" altLang="ko-KR" sz="2400" dirty="0" smtClean="0">
+                <a:solidFill>
+                  <a:srgbClr val="C00000"/>
+                </a:solidFill>
+              </a:rPr>
+              <a:t>-&gt;</a:t>
+            </a:r>
+            <a:r>
+              <a:rPr lang="ko-KR" altLang="en-US" sz="2400" dirty="0" smtClean="0">
+                <a:solidFill>
+                  <a:srgbClr val="C00000"/>
+                </a:solidFill>
+              </a:rPr>
+              <a:t> 구글링</a:t>
+            </a:r>
+            <a:r>
+              <a:rPr lang="en-US" altLang="ko-KR" sz="2400" dirty="0" smtClean="0">
+                <a:solidFill>
+                  <a:srgbClr val="C00000"/>
+                </a:solidFill>
+              </a:rPr>
+              <a:t>!</a:t>
+            </a:r>
+          </a:p>
+          <a:p>
+            <a:pPr marL="514350" indent="-514350" algn="just">
+              <a:lnSpc>
+                <a:spcPct val="150000"/>
+              </a:lnSpc>
+              <a:buAutoNum type="arabicPeriod"/>
+            </a:pPr>
+            <a:r>
+              <a:rPr lang="en-US" altLang="ko-KR" sz="2400" dirty="0" err="1" smtClean="0">
+                <a:solidFill>
+                  <a:srgbClr val="C00000"/>
+                </a:solidFill>
+              </a:rPr>
+              <a:t>Conda</a:t>
+            </a:r>
+            <a:r>
+              <a:rPr lang="ko-KR" altLang="en-US" sz="2400" dirty="0" smtClean="0">
+                <a:solidFill>
+                  <a:srgbClr val="C00000"/>
+                </a:solidFill>
+              </a:rPr>
+              <a:t>로 설치가 불가능한 경우에만 </a:t>
+            </a:r>
+            <a:r>
+              <a:rPr lang="en-US" altLang="ko-KR" sz="2400" dirty="0" smtClean="0">
+                <a:solidFill>
+                  <a:srgbClr val="C00000"/>
+                </a:solidFill>
+              </a:rPr>
+              <a:t>pip </a:t>
+            </a:r>
+            <a:r>
+              <a:rPr lang="ko-KR" altLang="en-US" sz="2400" dirty="0" smtClean="0">
+                <a:solidFill>
+                  <a:srgbClr val="C00000"/>
+                </a:solidFill>
+              </a:rPr>
+              <a:t>사용 권장</a:t>
+            </a:r>
+            <a:endParaRPr lang="en-US" altLang="ko-KR" sz="2400" dirty="0" smtClean="0">
+              <a:solidFill>
+                <a:srgbClr val="C00000"/>
+              </a:solidFill>
+            </a:endParaRPr>
+          </a:p>
         </p:txBody>
       </p:sp>
     </p:spTree>
     <p:extLst>
       <p:ext uri="{BB962C8B-B14F-4D97-AF65-F5344CB8AC3E}">
-        <p14:creationId xmlns:p14="http://schemas.microsoft.com/office/powerpoint/2010/main" val="1640320679"/>
+        <p14:creationId xmlns:p14="http://schemas.microsoft.com/office/powerpoint/2010/main" val="2017963097"/>
       </p:ext>
     </p:extLst>
   </p:cSld>
